--- a/s1_expr_dispersion_test_single_gene/res.pptx
+++ b/s1_expr_dispersion_test_single_gene/res.pptx
@@ -6,8 +6,9 @@
   </p:sldMasterIdLst>
   <p:sldIdLst>
     <p:sldId id="256" r:id="rId2"/>
-    <p:sldId id="257" r:id="rId3"/>
-    <p:sldId id="258" r:id="rId4"/>
+    <p:sldId id="259" r:id="rId3"/>
+    <p:sldId id="257" r:id="rId4"/>
+    <p:sldId id="258" r:id="rId5"/>
   </p:sldIdLst>
   <p:sldSz cx="12192000" cy="6858000"/>
   <p:notesSz cx="6858000" cy="9144000"/>
@@ -106,6 +107,11 @@
       </a:defRPr>
     </a:lvl9pPr>
   </p:defaultTextStyle>
+  <p:extLst>
+    <p:ext uri="{EFAFB233-063F-42B5-8137-9DF3F51BA10A}">
+      <p15:sldGuideLst xmlns:p15="http://schemas.microsoft.com/office/powerpoint/2012/main"/>
+    </p:ext>
+  </p:extLst>
 </p:presentation>
 </file>
 
@@ -240,7 +246,7 @@
           <a:p>
             <a:fld id="{805420EF-6C6F-4BA2-8637-8A587F5B00E8}" type="datetimeFigureOut">
               <a:rPr lang="en-US" smtClean="0"/>
-              <a:t>9/12/2018</a:t>
+              <a:t>9/18/2018</a:t>
             </a:fld>
             <a:endParaRPr lang="en-US"/>
           </a:p>
@@ -410,7 +416,7 @@
           <a:p>
             <a:fld id="{805420EF-6C6F-4BA2-8637-8A587F5B00E8}" type="datetimeFigureOut">
               <a:rPr lang="en-US" smtClean="0"/>
-              <a:t>9/12/2018</a:t>
+              <a:t>9/18/2018</a:t>
             </a:fld>
             <a:endParaRPr lang="en-US"/>
           </a:p>
@@ -590,7 +596,7 @@
           <a:p>
             <a:fld id="{805420EF-6C6F-4BA2-8637-8A587F5B00E8}" type="datetimeFigureOut">
               <a:rPr lang="en-US" smtClean="0"/>
-              <a:t>9/12/2018</a:t>
+              <a:t>9/18/2018</a:t>
             </a:fld>
             <a:endParaRPr lang="en-US"/>
           </a:p>
@@ -760,7 +766,7 @@
           <a:p>
             <a:fld id="{805420EF-6C6F-4BA2-8637-8A587F5B00E8}" type="datetimeFigureOut">
               <a:rPr lang="en-US" smtClean="0"/>
-              <a:t>9/12/2018</a:t>
+              <a:t>9/18/2018</a:t>
             </a:fld>
             <a:endParaRPr lang="en-US"/>
           </a:p>
@@ -1006,7 +1012,7 @@
           <a:p>
             <a:fld id="{805420EF-6C6F-4BA2-8637-8A587F5B00E8}" type="datetimeFigureOut">
               <a:rPr lang="en-US" smtClean="0"/>
-              <a:t>9/12/2018</a:t>
+              <a:t>9/18/2018</a:t>
             </a:fld>
             <a:endParaRPr lang="en-US"/>
           </a:p>
@@ -1238,7 +1244,7 @@
           <a:p>
             <a:fld id="{805420EF-6C6F-4BA2-8637-8A587F5B00E8}" type="datetimeFigureOut">
               <a:rPr lang="en-US" smtClean="0"/>
-              <a:t>9/12/2018</a:t>
+              <a:t>9/18/2018</a:t>
             </a:fld>
             <a:endParaRPr lang="en-US"/>
           </a:p>
@@ -1605,7 +1611,7 @@
           <a:p>
             <a:fld id="{805420EF-6C6F-4BA2-8637-8A587F5B00E8}" type="datetimeFigureOut">
               <a:rPr lang="en-US" smtClean="0"/>
-              <a:t>9/12/2018</a:t>
+              <a:t>9/18/2018</a:t>
             </a:fld>
             <a:endParaRPr lang="en-US"/>
           </a:p>
@@ -1723,7 +1729,7 @@
           <a:p>
             <a:fld id="{805420EF-6C6F-4BA2-8637-8A587F5B00E8}" type="datetimeFigureOut">
               <a:rPr lang="en-US" smtClean="0"/>
-              <a:t>9/12/2018</a:t>
+              <a:t>9/18/2018</a:t>
             </a:fld>
             <a:endParaRPr lang="en-US"/>
           </a:p>
@@ -1818,7 +1824,7 @@
           <a:p>
             <a:fld id="{805420EF-6C6F-4BA2-8637-8A587F5B00E8}" type="datetimeFigureOut">
               <a:rPr lang="en-US" smtClean="0"/>
-              <a:t>9/12/2018</a:t>
+              <a:t>9/18/2018</a:t>
             </a:fld>
             <a:endParaRPr lang="en-US"/>
           </a:p>
@@ -2095,7 +2101,7 @@
           <a:p>
             <a:fld id="{805420EF-6C6F-4BA2-8637-8A587F5B00E8}" type="datetimeFigureOut">
               <a:rPr lang="en-US" smtClean="0"/>
-              <a:t>9/12/2018</a:t>
+              <a:t>9/18/2018</a:t>
             </a:fld>
             <a:endParaRPr lang="en-US"/>
           </a:p>
@@ -2348,7 +2354,7 @@
           <a:p>
             <a:fld id="{805420EF-6C6F-4BA2-8637-8A587F5B00E8}" type="datetimeFigureOut">
               <a:rPr lang="en-US" smtClean="0"/>
-              <a:t>9/12/2018</a:t>
+              <a:t>9/18/2018</a:t>
             </a:fld>
             <a:endParaRPr lang="en-US"/>
           </a:p>
@@ -2561,7 +2567,7 @@
           <a:p>
             <a:fld id="{805420EF-6C6F-4BA2-8637-8A587F5B00E8}" type="datetimeFigureOut">
               <a:rPr lang="en-US" smtClean="0"/>
-              <a:t>9/12/2018</a:t>
+              <a:t>9/18/2018</a:t>
             </a:fld>
             <a:endParaRPr lang="en-US"/>
           </a:p>
@@ -3193,7 +3199,7 @@
       </p:sp>
       <p:pic>
         <p:nvPicPr>
-          <p:cNvPr id="9" name="Picture 8"/>
+          <p:cNvPr id="17" name="Picture 16"/>
           <p:cNvPicPr>
             <a:picLocks noChangeAspect="1"/>
           </p:cNvPicPr>
@@ -3201,237 +3207,12 @@
         </p:nvPicPr>
         <p:blipFill rotWithShape="1">
           <a:blip r:embed="rId4"/>
-          <a:srcRect r="4004" b="47980"/>
-          <a:stretch/>
-        </p:blipFill>
-        <p:spPr>
-          <a:xfrm>
-            <a:off x="2010065" y="2393859"/>
-            <a:ext cx="5120413" cy="2081067"/>
-          </a:xfrm>
-          <a:prstGeom prst="rect">
-            <a:avLst/>
-          </a:prstGeom>
-        </p:spPr>
-      </p:pic>
-      <p:pic>
-        <p:nvPicPr>
-          <p:cNvPr id="10" name="Picture 9"/>
-          <p:cNvPicPr>
-            <a:picLocks noChangeAspect="1"/>
-          </p:cNvPicPr>
-          <p:nvPr/>
-        </p:nvPicPr>
-        <p:blipFill rotWithShape="1">
-          <a:blip r:embed="rId5"/>
-          <a:srcRect l="5420" r="47481" b="46133"/>
-          <a:stretch/>
-        </p:blipFill>
-        <p:spPr>
-          <a:xfrm>
-            <a:off x="7028885" y="2375383"/>
-            <a:ext cx="2512280" cy="2154959"/>
-          </a:xfrm>
-          <a:prstGeom prst="rect">
-            <a:avLst/>
-          </a:prstGeom>
-        </p:spPr>
-      </p:pic>
-      <p:sp>
-        <p:nvSpPr>
-          <p:cNvPr id="14" name="TextBox 13"/>
-          <p:cNvSpPr txBox="1"/>
-          <p:nvPr/>
-        </p:nvSpPr>
-        <p:spPr>
-          <a:xfrm>
-            <a:off x="3607847" y="4253343"/>
-            <a:ext cx="3025187" cy="276999"/>
-          </a:xfrm>
-          <a:prstGeom prst="rect">
-            <a:avLst/>
-          </a:prstGeom>
-          <a:noFill/>
-        </p:spPr>
-        <p:txBody>
-          <a:bodyPr wrap="none" rtlCol="0">
-            <a:spAutoFit/>
-          </a:bodyPr>
-          <a:lstStyle/>
-          <a:p>
-            <a:r>
-              <a:rPr lang="en-US" sz="1200" b="1" dirty="0" smtClean="0">
-                <a:latin typeface="Arial" panose="020B0604020202020204" pitchFamily="34" charset="0"/>
-                <a:cs typeface="Arial" panose="020B0604020202020204" pitchFamily="34" charset="0"/>
-              </a:rPr>
-              <a:t>CTL</a:t>
-            </a:r>
-            <a:r>
-              <a:rPr lang="en-US" sz="1200" dirty="0" smtClean="0">
-                <a:latin typeface="Arial" panose="020B0604020202020204" pitchFamily="34" charset="0"/>
-                <a:cs typeface="Arial" panose="020B0604020202020204" pitchFamily="34" charset="0"/>
-              </a:rPr>
-              <a:t> (</a:t>
-            </a:r>
-            <a:r>
-              <a:rPr lang="en-US" sz="1200" i="1" dirty="0" smtClean="0">
-                <a:latin typeface="Arial" panose="020B0604020202020204" pitchFamily="34" charset="0"/>
-                <a:cs typeface="Arial" panose="020B0604020202020204" pitchFamily="34" charset="0"/>
-              </a:rPr>
-              <a:t>n</a:t>
-            </a:r>
-            <a:r>
-              <a:rPr lang="en-US" sz="1200" dirty="0" smtClean="0">
-                <a:latin typeface="Arial" panose="020B0604020202020204" pitchFamily="34" charset="0"/>
-                <a:cs typeface="Arial" panose="020B0604020202020204" pitchFamily="34" charset="0"/>
-              </a:rPr>
-              <a:t>=307)                         </a:t>
-            </a:r>
-            <a:r>
-              <a:rPr lang="en-US" sz="1200" b="1" dirty="0" smtClean="0">
-                <a:latin typeface="Arial" panose="020B0604020202020204" pitchFamily="34" charset="0"/>
-                <a:cs typeface="Arial" panose="020B0604020202020204" pitchFamily="34" charset="0"/>
-              </a:rPr>
-              <a:t>SCZ</a:t>
-            </a:r>
-            <a:r>
-              <a:rPr lang="en-US" sz="1200" dirty="0" smtClean="0">
-                <a:latin typeface="Arial" panose="020B0604020202020204" pitchFamily="34" charset="0"/>
-                <a:cs typeface="Arial" panose="020B0604020202020204" pitchFamily="34" charset="0"/>
-              </a:rPr>
-              <a:t> (</a:t>
-            </a:r>
-            <a:r>
-              <a:rPr lang="en-US" sz="1200" i="1" dirty="0" smtClean="0">
-                <a:latin typeface="Arial" panose="020B0604020202020204" pitchFamily="34" charset="0"/>
-                <a:cs typeface="Arial" panose="020B0604020202020204" pitchFamily="34" charset="0"/>
-              </a:rPr>
-              <a:t>n</a:t>
-            </a:r>
-            <a:r>
-              <a:rPr lang="en-US" sz="1200" dirty="0" smtClean="0">
-                <a:latin typeface="Arial" panose="020B0604020202020204" pitchFamily="34" charset="0"/>
-                <a:cs typeface="Arial" panose="020B0604020202020204" pitchFamily="34" charset="0"/>
-              </a:rPr>
-              <a:t>=174)</a:t>
-            </a:r>
-            <a:endParaRPr lang="en-US" sz="1200" dirty="0">
-              <a:latin typeface="Arial" panose="020B0604020202020204" pitchFamily="34" charset="0"/>
-              <a:cs typeface="Arial" panose="020B0604020202020204" pitchFamily="34" charset="0"/>
-            </a:endParaRPr>
-          </a:p>
-        </p:txBody>
-      </p:sp>
-      <p:sp>
-        <p:nvSpPr>
-          <p:cNvPr id="15" name="TextBox 14"/>
-          <p:cNvSpPr txBox="1"/>
-          <p:nvPr/>
-        </p:nvSpPr>
-        <p:spPr>
-          <a:xfrm>
-            <a:off x="7453855" y="4068677"/>
-            <a:ext cx="1780463" cy="461665"/>
-          </a:xfrm>
-          <a:prstGeom prst="rect">
-            <a:avLst/>
-          </a:prstGeom>
-          <a:solidFill>
-            <a:schemeClr val="bg1"/>
-          </a:solidFill>
-        </p:spPr>
-        <p:txBody>
-          <a:bodyPr wrap="square" rtlCol="0">
-            <a:spAutoFit/>
-          </a:bodyPr>
-          <a:lstStyle/>
-          <a:p>
-            <a:pPr algn="ctr"/>
-            <a:r>
-              <a:rPr lang="en-US" sz="1200" b="1" dirty="0" smtClean="0">
-                <a:latin typeface="Arial" panose="020B0604020202020204" pitchFamily="34" charset="0"/>
-                <a:cs typeface="Arial" panose="020B0604020202020204" pitchFamily="34" charset="0"/>
-              </a:rPr>
-              <a:t>CTL</a:t>
-            </a:r>
-            <a:r>
-              <a:rPr lang="en-US" sz="1200" dirty="0" smtClean="0">
-                <a:latin typeface="Arial" panose="020B0604020202020204" pitchFamily="34" charset="0"/>
-                <a:cs typeface="Arial" panose="020B0604020202020204" pitchFamily="34" charset="0"/>
-              </a:rPr>
-              <a:t>            </a:t>
-            </a:r>
-            <a:r>
-              <a:rPr lang="en-US" sz="1200" b="1" dirty="0" smtClean="0">
-                <a:latin typeface="Arial" panose="020B0604020202020204" pitchFamily="34" charset="0"/>
-                <a:cs typeface="Arial" panose="020B0604020202020204" pitchFamily="34" charset="0"/>
-              </a:rPr>
-              <a:t>SCZ</a:t>
-            </a:r>
-            <a:br>
-              <a:rPr lang="en-US" sz="1200" b="1" dirty="0" smtClean="0">
-                <a:latin typeface="Arial" panose="020B0604020202020204" pitchFamily="34" charset="0"/>
-                <a:cs typeface="Arial" panose="020B0604020202020204" pitchFamily="34" charset="0"/>
-              </a:rPr>
-            </a:br>
-            <a:r>
-              <a:rPr lang="en-US" sz="1200" dirty="0" smtClean="0">
-                <a:latin typeface="Arial" panose="020B0604020202020204" pitchFamily="34" charset="0"/>
-                <a:cs typeface="Arial" panose="020B0604020202020204" pitchFamily="34" charset="0"/>
-              </a:rPr>
-              <a:t>(</a:t>
-            </a:r>
-            <a:r>
-              <a:rPr lang="en-US" sz="1200" i="1" dirty="0" smtClean="0">
-                <a:latin typeface="Arial" panose="020B0604020202020204" pitchFamily="34" charset="0"/>
-                <a:cs typeface="Arial" panose="020B0604020202020204" pitchFamily="34" charset="0"/>
-              </a:rPr>
-              <a:t>n</a:t>
-            </a:r>
-            <a:r>
-              <a:rPr lang="en-US" sz="1200" dirty="0" smtClean="0">
-                <a:latin typeface="Arial" panose="020B0604020202020204" pitchFamily="34" charset="0"/>
-                <a:cs typeface="Arial" panose="020B0604020202020204" pitchFamily="34" charset="0"/>
-              </a:rPr>
-              <a:t>=307)         (</a:t>
-            </a:r>
-            <a:r>
-              <a:rPr lang="en-US" sz="1200" i="1" dirty="0" smtClean="0">
-                <a:latin typeface="Arial" panose="020B0604020202020204" pitchFamily="34" charset="0"/>
-                <a:cs typeface="Arial" panose="020B0604020202020204" pitchFamily="34" charset="0"/>
-              </a:rPr>
-              <a:t>n</a:t>
-            </a:r>
-            <a:r>
-              <a:rPr lang="en-US" sz="1200" dirty="0" smtClean="0">
-                <a:latin typeface="Arial" panose="020B0604020202020204" pitchFamily="34" charset="0"/>
-                <a:cs typeface="Arial" panose="020B0604020202020204" pitchFamily="34" charset="0"/>
-              </a:rPr>
-              <a:t>=174)</a:t>
-            </a:r>
-            <a:endParaRPr lang="en-US" sz="1200" dirty="0">
-              <a:latin typeface="Arial" panose="020B0604020202020204" pitchFamily="34" charset="0"/>
-              <a:cs typeface="Arial" panose="020B0604020202020204" pitchFamily="34" charset="0"/>
-            </a:endParaRPr>
-          </a:p>
-        </p:txBody>
-      </p:sp>
-      <p:pic>
-        <p:nvPicPr>
-          <p:cNvPr id="17" name="Picture 16"/>
-          <p:cNvPicPr>
-            <a:picLocks noChangeAspect="1"/>
-          </p:cNvPicPr>
-          <p:nvPr/>
-        </p:nvPicPr>
-        <p:blipFill rotWithShape="1">
-          <a:blip r:embed="rId6"/>
           <a:srcRect r="5562" b="45902"/>
           <a:stretch/>
         </p:blipFill>
         <p:spPr>
           <a:xfrm>
-            <a:off x="2010065" y="4592636"/>
+            <a:off x="2010065" y="2394560"/>
             <a:ext cx="5037286" cy="2164195"/>
           </a:xfrm>
           <a:prstGeom prst="rect">
@@ -3448,13 +3229,13 @@
           <p:nvPr/>
         </p:nvPicPr>
         <p:blipFill rotWithShape="1">
-          <a:blip r:embed="rId7"/>
+          <a:blip r:embed="rId5"/>
           <a:srcRect l="4727" t="-1" r="44459" b="45798"/>
           <a:stretch/>
         </p:blipFill>
         <p:spPr>
           <a:xfrm>
-            <a:off x="6991939" y="4583400"/>
+            <a:off x="6991939" y="2385324"/>
             <a:ext cx="2710428" cy="2168389"/>
           </a:xfrm>
           <a:prstGeom prst="rect">
@@ -3470,7 +3251,7 @@
         </p:nvSpPr>
         <p:spPr>
           <a:xfrm>
-            <a:off x="3623785" y="6474790"/>
+            <a:off x="3623785" y="4276714"/>
             <a:ext cx="3025187" cy="276999"/>
           </a:xfrm>
           <a:prstGeom prst="rect">
@@ -3555,7 +3336,7 @@
         </p:nvSpPr>
         <p:spPr>
           <a:xfrm>
-            <a:off x="7532360" y="6299323"/>
+            <a:off x="7532360" y="4101247"/>
             <a:ext cx="1780463" cy="461665"/>
           </a:xfrm>
           <a:prstGeom prst="rect">
@@ -3650,7 +3431,7 @@
         <p:spPr>
           <a:xfrm>
             <a:off x="1991586" y="304808"/>
-            <a:ext cx="370614" cy="4809009"/>
+            <a:ext cx="370614" cy="2554545"/>
           </a:xfrm>
           <a:prstGeom prst="rect">
             <a:avLst/>
@@ -3714,68 +3495,6 @@
                 <a:cs typeface="Arial" panose="020B0604020202020204" pitchFamily="34" charset="0"/>
               </a:rPr>
               <a:t>B</a:t>
-            </a:r>
-            <a:endParaRPr lang="en-US" sz="2000" b="1" dirty="0">
-              <a:latin typeface="Arial" panose="020B0604020202020204" pitchFamily="34" charset="0"/>
-              <a:cs typeface="Arial" panose="020B0604020202020204" pitchFamily="34" charset="0"/>
-            </a:endParaRPr>
-          </a:p>
-          <a:p>
-            <a:endParaRPr lang="en-US" sz="2000" b="1" dirty="0" smtClean="0">
-              <a:latin typeface="Arial" panose="020B0604020202020204" pitchFamily="34" charset="0"/>
-              <a:cs typeface="Arial" panose="020B0604020202020204" pitchFamily="34" charset="0"/>
-            </a:endParaRPr>
-          </a:p>
-          <a:p>
-            <a:endParaRPr lang="en-US" sz="2000" b="1" dirty="0">
-              <a:latin typeface="Arial" panose="020B0604020202020204" pitchFamily="34" charset="0"/>
-              <a:cs typeface="Arial" panose="020B0604020202020204" pitchFamily="34" charset="0"/>
-            </a:endParaRPr>
-          </a:p>
-          <a:p>
-            <a:endParaRPr lang="en-US" sz="1600" b="1" dirty="0" smtClean="0">
-              <a:latin typeface="Arial" panose="020B0604020202020204" pitchFamily="34" charset="0"/>
-              <a:cs typeface="Arial" panose="020B0604020202020204" pitchFamily="34" charset="0"/>
-            </a:endParaRPr>
-          </a:p>
-          <a:p>
-            <a:endParaRPr lang="en-US" sz="2000" b="1" dirty="0" smtClean="0">
-              <a:latin typeface="Arial" panose="020B0604020202020204" pitchFamily="34" charset="0"/>
-              <a:cs typeface="Arial" panose="020B0604020202020204" pitchFamily="34" charset="0"/>
-            </a:endParaRPr>
-          </a:p>
-          <a:p>
-            <a:endParaRPr lang="en-US" sz="2000" b="1" dirty="0" smtClean="0">
-              <a:latin typeface="Arial" panose="020B0604020202020204" pitchFamily="34" charset="0"/>
-              <a:cs typeface="Arial" panose="020B0604020202020204" pitchFamily="34" charset="0"/>
-            </a:endParaRPr>
-          </a:p>
-          <a:p>
-            <a:endParaRPr lang="en-US" sz="2000" b="1" dirty="0" smtClean="0">
-              <a:latin typeface="Arial" panose="020B0604020202020204" pitchFamily="34" charset="0"/>
-              <a:cs typeface="Arial" panose="020B0604020202020204" pitchFamily="34" charset="0"/>
-            </a:endParaRPr>
-          </a:p>
-          <a:p>
-            <a:r>
-              <a:rPr lang="en-US" sz="1050" b="1" dirty="0" smtClean="0">
-                <a:latin typeface="Arial" panose="020B0604020202020204" pitchFamily="34" charset="0"/>
-                <a:cs typeface="Arial" panose="020B0604020202020204" pitchFamily="34" charset="0"/>
-              </a:rPr>
-              <a:t/>
-            </a:r>
-            <a:br>
-              <a:rPr lang="en-US" sz="1050" b="1" dirty="0" smtClean="0">
-                <a:latin typeface="Arial" panose="020B0604020202020204" pitchFamily="34" charset="0"/>
-                <a:cs typeface="Arial" panose="020B0604020202020204" pitchFamily="34" charset="0"/>
-              </a:rPr>
-            </a:br>
-            <a:r>
-              <a:rPr lang="en-US" sz="2000" b="1" dirty="0" smtClean="0">
-                <a:latin typeface="Arial" panose="020B0604020202020204" pitchFamily="34" charset="0"/>
-                <a:cs typeface="Arial" panose="020B0604020202020204" pitchFamily="34" charset="0"/>
-              </a:rPr>
-              <a:t>C</a:t>
             </a:r>
             <a:endParaRPr lang="en-US" sz="2000" b="1" dirty="0">
               <a:latin typeface="Arial" panose="020B0604020202020204" pitchFamily="34" charset="0"/>
@@ -3816,6 +3535,854 @@
       </p:grpSpPr>
       <p:pic>
         <p:nvPicPr>
+          <p:cNvPr id="4" name="Picture 3"/>
+          <p:cNvPicPr>
+            <a:picLocks noChangeAspect="1"/>
+          </p:cNvPicPr>
+          <p:nvPr/>
+        </p:nvPicPr>
+        <p:blipFill rotWithShape="1">
+          <a:blip r:embed="rId2"/>
+          <a:srcRect r="5735" b="46703"/>
+          <a:stretch/>
+        </p:blipFill>
+        <p:spPr>
+          <a:xfrm>
+            <a:off x="2010065" y="144015"/>
+            <a:ext cx="5028049" cy="2132134"/>
+          </a:xfrm>
+          <a:prstGeom prst="rect">
+            <a:avLst/>
+          </a:prstGeom>
+        </p:spPr>
+      </p:pic>
+      <p:pic>
+        <p:nvPicPr>
+          <p:cNvPr id="5" name="Picture 4"/>
+          <p:cNvPicPr>
+            <a:picLocks noChangeAspect="1"/>
+          </p:cNvPicPr>
+          <p:nvPr/>
+        </p:nvPicPr>
+        <p:blipFill rotWithShape="1">
+          <a:blip r:embed="rId3"/>
+          <a:srcRect l="5593" r="46099" b="42967"/>
+          <a:stretch/>
+        </p:blipFill>
+        <p:spPr>
+          <a:xfrm>
+            <a:off x="7038121" y="134779"/>
+            <a:ext cx="2576768" cy="2281603"/>
+          </a:xfrm>
+          <a:prstGeom prst="rect">
+            <a:avLst/>
+          </a:prstGeom>
+        </p:spPr>
+      </p:pic>
+      <p:sp>
+        <p:nvSpPr>
+          <p:cNvPr id="6" name="TextBox 5"/>
+          <p:cNvSpPr txBox="1"/>
+          <p:nvPr/>
+        </p:nvSpPr>
+        <p:spPr>
+          <a:xfrm>
+            <a:off x="3237483" y="1999150"/>
+            <a:ext cx="3025187" cy="276999"/>
+          </a:xfrm>
+          <a:prstGeom prst="rect">
+            <a:avLst/>
+          </a:prstGeom>
+          <a:noFill/>
+        </p:spPr>
+        <p:txBody>
+          <a:bodyPr wrap="none" rtlCol="0">
+            <a:spAutoFit/>
+          </a:bodyPr>
+          <a:lstStyle/>
+          <a:p>
+            <a:r>
+              <a:rPr lang="en-US" sz="1200" b="1" dirty="0" smtClean="0">
+                <a:latin typeface="Arial" panose="020B0604020202020204" pitchFamily="34" charset="0"/>
+                <a:cs typeface="Arial" panose="020B0604020202020204" pitchFamily="34" charset="0"/>
+              </a:rPr>
+              <a:t>CTL</a:t>
+            </a:r>
+            <a:r>
+              <a:rPr lang="en-US" sz="1200" dirty="0" smtClean="0">
+                <a:latin typeface="Arial" panose="020B0604020202020204" pitchFamily="34" charset="0"/>
+                <a:cs typeface="Arial" panose="020B0604020202020204" pitchFamily="34" charset="0"/>
+              </a:rPr>
+              <a:t> (</a:t>
+            </a:r>
+            <a:r>
+              <a:rPr lang="en-US" sz="1200" i="1" dirty="0" smtClean="0">
+                <a:latin typeface="Arial" panose="020B0604020202020204" pitchFamily="34" charset="0"/>
+                <a:cs typeface="Arial" panose="020B0604020202020204" pitchFamily="34" charset="0"/>
+              </a:rPr>
+              <a:t>n</a:t>
+            </a:r>
+            <a:r>
+              <a:rPr lang="en-US" sz="1200" dirty="0" smtClean="0">
+                <a:latin typeface="Arial" panose="020B0604020202020204" pitchFamily="34" charset="0"/>
+                <a:cs typeface="Arial" panose="020B0604020202020204" pitchFamily="34" charset="0"/>
+              </a:rPr>
+              <a:t>=212)                         </a:t>
+            </a:r>
+            <a:r>
+              <a:rPr lang="en-US" sz="1200" b="1" dirty="0" smtClean="0">
+                <a:latin typeface="Arial" panose="020B0604020202020204" pitchFamily="34" charset="0"/>
+                <a:cs typeface="Arial" panose="020B0604020202020204" pitchFamily="34" charset="0"/>
+              </a:rPr>
+              <a:t>SCZ</a:t>
+            </a:r>
+            <a:r>
+              <a:rPr lang="en-US" sz="1200" dirty="0" smtClean="0">
+                <a:latin typeface="Arial" panose="020B0604020202020204" pitchFamily="34" charset="0"/>
+                <a:cs typeface="Arial" panose="020B0604020202020204" pitchFamily="34" charset="0"/>
+              </a:rPr>
+              <a:t> (</a:t>
+            </a:r>
+            <a:r>
+              <a:rPr lang="en-US" sz="1200" i="1" dirty="0" smtClean="0">
+                <a:latin typeface="Arial" panose="020B0604020202020204" pitchFamily="34" charset="0"/>
+                <a:cs typeface="Arial" panose="020B0604020202020204" pitchFamily="34" charset="0"/>
+              </a:rPr>
+              <a:t>n</a:t>
+            </a:r>
+            <a:r>
+              <a:rPr lang="en-US" sz="1200" dirty="0" smtClean="0">
+                <a:latin typeface="Arial" panose="020B0604020202020204" pitchFamily="34" charset="0"/>
+                <a:cs typeface="Arial" panose="020B0604020202020204" pitchFamily="34" charset="0"/>
+              </a:rPr>
+              <a:t>=214)</a:t>
+            </a:r>
+            <a:endParaRPr lang="en-US" sz="1200" dirty="0">
+              <a:latin typeface="Arial" panose="020B0604020202020204" pitchFamily="34" charset="0"/>
+              <a:cs typeface="Arial" panose="020B0604020202020204" pitchFamily="34" charset="0"/>
+            </a:endParaRPr>
+          </a:p>
+        </p:txBody>
+      </p:sp>
+      <p:sp>
+        <p:nvSpPr>
+          <p:cNvPr id="7" name="TextBox 6"/>
+          <p:cNvSpPr txBox="1"/>
+          <p:nvPr/>
+        </p:nvSpPr>
+        <p:spPr>
+          <a:xfrm>
+            <a:off x="7450835" y="1814484"/>
+            <a:ext cx="1780463" cy="461665"/>
+          </a:xfrm>
+          <a:prstGeom prst="rect">
+            <a:avLst/>
+          </a:prstGeom>
+          <a:solidFill>
+            <a:schemeClr val="bg1"/>
+          </a:solidFill>
+        </p:spPr>
+        <p:txBody>
+          <a:bodyPr wrap="square" rtlCol="0">
+            <a:spAutoFit/>
+          </a:bodyPr>
+          <a:lstStyle/>
+          <a:p>
+            <a:pPr algn="ctr"/>
+            <a:r>
+              <a:rPr lang="en-US" sz="1200" b="1" dirty="0" smtClean="0">
+                <a:latin typeface="Arial" panose="020B0604020202020204" pitchFamily="34" charset="0"/>
+                <a:cs typeface="Arial" panose="020B0604020202020204" pitchFamily="34" charset="0"/>
+              </a:rPr>
+              <a:t>CTL</a:t>
+            </a:r>
+            <a:r>
+              <a:rPr lang="en-US" sz="1200" dirty="0" smtClean="0">
+                <a:latin typeface="Arial" panose="020B0604020202020204" pitchFamily="34" charset="0"/>
+                <a:cs typeface="Arial" panose="020B0604020202020204" pitchFamily="34" charset="0"/>
+              </a:rPr>
+              <a:t>            </a:t>
+            </a:r>
+            <a:r>
+              <a:rPr lang="en-US" sz="1200" b="1" dirty="0" smtClean="0">
+                <a:latin typeface="Arial" panose="020B0604020202020204" pitchFamily="34" charset="0"/>
+                <a:cs typeface="Arial" panose="020B0604020202020204" pitchFamily="34" charset="0"/>
+              </a:rPr>
+              <a:t>SCZ</a:t>
+            </a:r>
+            <a:br>
+              <a:rPr lang="en-US" sz="1200" b="1" dirty="0" smtClean="0">
+                <a:latin typeface="Arial" panose="020B0604020202020204" pitchFamily="34" charset="0"/>
+                <a:cs typeface="Arial" panose="020B0604020202020204" pitchFamily="34" charset="0"/>
+              </a:rPr>
+            </a:br>
+            <a:r>
+              <a:rPr lang="en-US" sz="1200" dirty="0" smtClean="0">
+                <a:latin typeface="Arial" panose="020B0604020202020204" pitchFamily="34" charset="0"/>
+                <a:cs typeface="Arial" panose="020B0604020202020204" pitchFamily="34" charset="0"/>
+              </a:rPr>
+              <a:t>(</a:t>
+            </a:r>
+            <a:r>
+              <a:rPr lang="en-US" sz="1200" i="1" dirty="0" smtClean="0">
+                <a:latin typeface="Arial" panose="020B0604020202020204" pitchFamily="34" charset="0"/>
+                <a:cs typeface="Arial" panose="020B0604020202020204" pitchFamily="34" charset="0"/>
+              </a:rPr>
+              <a:t>n</a:t>
+            </a:r>
+            <a:r>
+              <a:rPr lang="en-US" sz="1200" dirty="0" smtClean="0">
+                <a:latin typeface="Arial" panose="020B0604020202020204" pitchFamily="34" charset="0"/>
+                <a:cs typeface="Arial" panose="020B0604020202020204" pitchFamily="34" charset="0"/>
+              </a:rPr>
+              <a:t>=212)         (</a:t>
+            </a:r>
+            <a:r>
+              <a:rPr lang="en-US" sz="1200" i="1" dirty="0" smtClean="0">
+                <a:latin typeface="Arial" panose="020B0604020202020204" pitchFamily="34" charset="0"/>
+                <a:cs typeface="Arial" panose="020B0604020202020204" pitchFamily="34" charset="0"/>
+              </a:rPr>
+              <a:t>n</a:t>
+            </a:r>
+            <a:r>
+              <a:rPr lang="en-US" sz="1200" dirty="0" smtClean="0">
+                <a:latin typeface="Arial" panose="020B0604020202020204" pitchFamily="34" charset="0"/>
+                <a:cs typeface="Arial" panose="020B0604020202020204" pitchFamily="34" charset="0"/>
+              </a:rPr>
+              <a:t>=214)</a:t>
+            </a:r>
+            <a:endParaRPr lang="en-US" sz="1200" dirty="0">
+              <a:latin typeface="Arial" panose="020B0604020202020204" pitchFamily="34" charset="0"/>
+              <a:cs typeface="Arial" panose="020B0604020202020204" pitchFamily="34" charset="0"/>
+            </a:endParaRPr>
+          </a:p>
+        </p:txBody>
+      </p:sp>
+      <p:pic>
+        <p:nvPicPr>
+          <p:cNvPr id="9" name="Picture 8"/>
+          <p:cNvPicPr>
+            <a:picLocks noChangeAspect="1"/>
+          </p:cNvPicPr>
+          <p:nvPr/>
+        </p:nvPicPr>
+        <p:blipFill rotWithShape="1">
+          <a:blip r:embed="rId4"/>
+          <a:srcRect r="4004" b="47980"/>
+          <a:stretch/>
+        </p:blipFill>
+        <p:spPr>
+          <a:xfrm>
+            <a:off x="2010065" y="2393859"/>
+            <a:ext cx="5120413" cy="2081067"/>
+          </a:xfrm>
+          <a:prstGeom prst="rect">
+            <a:avLst/>
+          </a:prstGeom>
+        </p:spPr>
+      </p:pic>
+      <p:pic>
+        <p:nvPicPr>
+          <p:cNvPr id="10" name="Picture 9"/>
+          <p:cNvPicPr>
+            <a:picLocks noChangeAspect="1"/>
+          </p:cNvPicPr>
+          <p:nvPr/>
+        </p:nvPicPr>
+        <p:blipFill rotWithShape="1">
+          <a:blip r:embed="rId5"/>
+          <a:srcRect l="5420" r="47481" b="46133"/>
+          <a:stretch/>
+        </p:blipFill>
+        <p:spPr>
+          <a:xfrm>
+            <a:off x="7028885" y="2375383"/>
+            <a:ext cx="2512280" cy="2154959"/>
+          </a:xfrm>
+          <a:prstGeom prst="rect">
+            <a:avLst/>
+          </a:prstGeom>
+        </p:spPr>
+      </p:pic>
+      <p:sp>
+        <p:nvSpPr>
+          <p:cNvPr id="14" name="TextBox 13"/>
+          <p:cNvSpPr txBox="1"/>
+          <p:nvPr/>
+        </p:nvSpPr>
+        <p:spPr>
+          <a:xfrm>
+            <a:off x="3607847" y="4253343"/>
+            <a:ext cx="3025187" cy="276999"/>
+          </a:xfrm>
+          <a:prstGeom prst="rect">
+            <a:avLst/>
+          </a:prstGeom>
+          <a:noFill/>
+        </p:spPr>
+        <p:txBody>
+          <a:bodyPr wrap="none" rtlCol="0">
+            <a:spAutoFit/>
+          </a:bodyPr>
+          <a:lstStyle/>
+          <a:p>
+            <a:r>
+              <a:rPr lang="en-US" sz="1200" b="1" dirty="0" smtClean="0">
+                <a:latin typeface="Arial" panose="020B0604020202020204" pitchFamily="34" charset="0"/>
+                <a:cs typeface="Arial" panose="020B0604020202020204" pitchFamily="34" charset="0"/>
+              </a:rPr>
+              <a:t>CTL</a:t>
+            </a:r>
+            <a:r>
+              <a:rPr lang="en-US" sz="1200" dirty="0" smtClean="0">
+                <a:latin typeface="Arial" panose="020B0604020202020204" pitchFamily="34" charset="0"/>
+                <a:cs typeface="Arial" panose="020B0604020202020204" pitchFamily="34" charset="0"/>
+              </a:rPr>
+              <a:t> (</a:t>
+            </a:r>
+            <a:r>
+              <a:rPr lang="en-US" sz="1200" i="1" dirty="0" smtClean="0">
+                <a:latin typeface="Arial" panose="020B0604020202020204" pitchFamily="34" charset="0"/>
+                <a:cs typeface="Arial" panose="020B0604020202020204" pitchFamily="34" charset="0"/>
+              </a:rPr>
+              <a:t>n</a:t>
+            </a:r>
+            <a:r>
+              <a:rPr lang="en-US" sz="1200" dirty="0" smtClean="0">
+                <a:latin typeface="Arial" panose="020B0604020202020204" pitchFamily="34" charset="0"/>
+                <a:cs typeface="Arial" panose="020B0604020202020204" pitchFamily="34" charset="0"/>
+              </a:rPr>
+              <a:t>=307)                         </a:t>
+            </a:r>
+            <a:r>
+              <a:rPr lang="en-US" sz="1200" b="1" dirty="0" smtClean="0">
+                <a:latin typeface="Arial" panose="020B0604020202020204" pitchFamily="34" charset="0"/>
+                <a:cs typeface="Arial" panose="020B0604020202020204" pitchFamily="34" charset="0"/>
+              </a:rPr>
+              <a:t>SCZ</a:t>
+            </a:r>
+            <a:r>
+              <a:rPr lang="en-US" sz="1200" dirty="0" smtClean="0">
+                <a:latin typeface="Arial" panose="020B0604020202020204" pitchFamily="34" charset="0"/>
+                <a:cs typeface="Arial" panose="020B0604020202020204" pitchFamily="34" charset="0"/>
+              </a:rPr>
+              <a:t> (</a:t>
+            </a:r>
+            <a:r>
+              <a:rPr lang="en-US" sz="1200" i="1" dirty="0" smtClean="0">
+                <a:latin typeface="Arial" panose="020B0604020202020204" pitchFamily="34" charset="0"/>
+                <a:cs typeface="Arial" panose="020B0604020202020204" pitchFamily="34" charset="0"/>
+              </a:rPr>
+              <a:t>n</a:t>
+            </a:r>
+            <a:r>
+              <a:rPr lang="en-US" sz="1200" dirty="0" smtClean="0">
+                <a:latin typeface="Arial" panose="020B0604020202020204" pitchFamily="34" charset="0"/>
+                <a:cs typeface="Arial" panose="020B0604020202020204" pitchFamily="34" charset="0"/>
+              </a:rPr>
+              <a:t>=174)</a:t>
+            </a:r>
+            <a:endParaRPr lang="en-US" sz="1200" dirty="0">
+              <a:latin typeface="Arial" panose="020B0604020202020204" pitchFamily="34" charset="0"/>
+              <a:cs typeface="Arial" panose="020B0604020202020204" pitchFamily="34" charset="0"/>
+            </a:endParaRPr>
+          </a:p>
+        </p:txBody>
+      </p:sp>
+      <p:sp>
+        <p:nvSpPr>
+          <p:cNvPr id="15" name="TextBox 14"/>
+          <p:cNvSpPr txBox="1"/>
+          <p:nvPr/>
+        </p:nvSpPr>
+        <p:spPr>
+          <a:xfrm>
+            <a:off x="7453855" y="4068677"/>
+            <a:ext cx="1780463" cy="461665"/>
+          </a:xfrm>
+          <a:prstGeom prst="rect">
+            <a:avLst/>
+          </a:prstGeom>
+          <a:solidFill>
+            <a:schemeClr val="bg1"/>
+          </a:solidFill>
+        </p:spPr>
+        <p:txBody>
+          <a:bodyPr wrap="square" rtlCol="0">
+            <a:spAutoFit/>
+          </a:bodyPr>
+          <a:lstStyle/>
+          <a:p>
+            <a:pPr algn="ctr"/>
+            <a:r>
+              <a:rPr lang="en-US" sz="1200" b="1" dirty="0" smtClean="0">
+                <a:latin typeface="Arial" panose="020B0604020202020204" pitchFamily="34" charset="0"/>
+                <a:cs typeface="Arial" panose="020B0604020202020204" pitchFamily="34" charset="0"/>
+              </a:rPr>
+              <a:t>CTL</a:t>
+            </a:r>
+            <a:r>
+              <a:rPr lang="en-US" sz="1200" dirty="0" smtClean="0">
+                <a:latin typeface="Arial" panose="020B0604020202020204" pitchFamily="34" charset="0"/>
+                <a:cs typeface="Arial" panose="020B0604020202020204" pitchFamily="34" charset="0"/>
+              </a:rPr>
+              <a:t>            </a:t>
+            </a:r>
+            <a:r>
+              <a:rPr lang="en-US" sz="1200" b="1" dirty="0" smtClean="0">
+                <a:latin typeface="Arial" panose="020B0604020202020204" pitchFamily="34" charset="0"/>
+                <a:cs typeface="Arial" panose="020B0604020202020204" pitchFamily="34" charset="0"/>
+              </a:rPr>
+              <a:t>SCZ</a:t>
+            </a:r>
+            <a:br>
+              <a:rPr lang="en-US" sz="1200" b="1" dirty="0" smtClean="0">
+                <a:latin typeface="Arial" panose="020B0604020202020204" pitchFamily="34" charset="0"/>
+                <a:cs typeface="Arial" panose="020B0604020202020204" pitchFamily="34" charset="0"/>
+              </a:rPr>
+            </a:br>
+            <a:r>
+              <a:rPr lang="en-US" sz="1200" dirty="0" smtClean="0">
+                <a:latin typeface="Arial" panose="020B0604020202020204" pitchFamily="34" charset="0"/>
+                <a:cs typeface="Arial" panose="020B0604020202020204" pitchFamily="34" charset="0"/>
+              </a:rPr>
+              <a:t>(</a:t>
+            </a:r>
+            <a:r>
+              <a:rPr lang="en-US" sz="1200" i="1" dirty="0" smtClean="0">
+                <a:latin typeface="Arial" panose="020B0604020202020204" pitchFamily="34" charset="0"/>
+                <a:cs typeface="Arial" panose="020B0604020202020204" pitchFamily="34" charset="0"/>
+              </a:rPr>
+              <a:t>n</a:t>
+            </a:r>
+            <a:r>
+              <a:rPr lang="en-US" sz="1200" dirty="0" smtClean="0">
+                <a:latin typeface="Arial" panose="020B0604020202020204" pitchFamily="34" charset="0"/>
+                <a:cs typeface="Arial" panose="020B0604020202020204" pitchFamily="34" charset="0"/>
+              </a:rPr>
+              <a:t>=307)         (</a:t>
+            </a:r>
+            <a:r>
+              <a:rPr lang="en-US" sz="1200" i="1" dirty="0" smtClean="0">
+                <a:latin typeface="Arial" panose="020B0604020202020204" pitchFamily="34" charset="0"/>
+                <a:cs typeface="Arial" panose="020B0604020202020204" pitchFamily="34" charset="0"/>
+              </a:rPr>
+              <a:t>n</a:t>
+            </a:r>
+            <a:r>
+              <a:rPr lang="en-US" sz="1200" dirty="0" smtClean="0">
+                <a:latin typeface="Arial" panose="020B0604020202020204" pitchFamily="34" charset="0"/>
+                <a:cs typeface="Arial" panose="020B0604020202020204" pitchFamily="34" charset="0"/>
+              </a:rPr>
+              <a:t>=174)</a:t>
+            </a:r>
+            <a:endParaRPr lang="en-US" sz="1200" dirty="0">
+              <a:latin typeface="Arial" panose="020B0604020202020204" pitchFamily="34" charset="0"/>
+              <a:cs typeface="Arial" panose="020B0604020202020204" pitchFamily="34" charset="0"/>
+            </a:endParaRPr>
+          </a:p>
+        </p:txBody>
+      </p:sp>
+      <p:pic>
+        <p:nvPicPr>
+          <p:cNvPr id="17" name="Picture 16"/>
+          <p:cNvPicPr>
+            <a:picLocks noChangeAspect="1"/>
+          </p:cNvPicPr>
+          <p:nvPr/>
+        </p:nvPicPr>
+        <p:blipFill rotWithShape="1">
+          <a:blip r:embed="rId6"/>
+          <a:srcRect r="5562" b="45902"/>
+          <a:stretch/>
+        </p:blipFill>
+        <p:spPr>
+          <a:xfrm>
+            <a:off x="2010065" y="4592636"/>
+            <a:ext cx="5037286" cy="2164195"/>
+          </a:xfrm>
+          <a:prstGeom prst="rect">
+            <a:avLst/>
+          </a:prstGeom>
+        </p:spPr>
+      </p:pic>
+      <p:pic>
+        <p:nvPicPr>
+          <p:cNvPr id="18" name="Picture 17"/>
+          <p:cNvPicPr>
+            <a:picLocks noChangeAspect="1"/>
+          </p:cNvPicPr>
+          <p:nvPr/>
+        </p:nvPicPr>
+        <p:blipFill rotWithShape="1">
+          <a:blip r:embed="rId7"/>
+          <a:srcRect l="4727" t="-1" r="44459" b="45798"/>
+          <a:stretch/>
+        </p:blipFill>
+        <p:spPr>
+          <a:xfrm>
+            <a:off x="6991939" y="4583400"/>
+            <a:ext cx="2710428" cy="2168389"/>
+          </a:xfrm>
+          <a:prstGeom prst="rect">
+            <a:avLst/>
+          </a:prstGeom>
+        </p:spPr>
+      </p:pic>
+      <p:sp>
+        <p:nvSpPr>
+          <p:cNvPr id="19" name="TextBox 18"/>
+          <p:cNvSpPr txBox="1"/>
+          <p:nvPr/>
+        </p:nvSpPr>
+        <p:spPr>
+          <a:xfrm>
+            <a:off x="3623785" y="6474790"/>
+            <a:ext cx="3025187" cy="276999"/>
+          </a:xfrm>
+          <a:prstGeom prst="rect">
+            <a:avLst/>
+          </a:prstGeom>
+          <a:noFill/>
+        </p:spPr>
+        <p:txBody>
+          <a:bodyPr wrap="none" rtlCol="0">
+            <a:spAutoFit/>
+          </a:bodyPr>
+          <a:lstStyle/>
+          <a:p>
+            <a:r>
+              <a:rPr lang="en-US" sz="1200" b="1" dirty="0" smtClean="0">
+                <a:latin typeface="Arial" panose="020B0604020202020204" pitchFamily="34" charset="0"/>
+                <a:cs typeface="Arial" panose="020B0604020202020204" pitchFamily="34" charset="0"/>
+              </a:rPr>
+              <a:t>CTL</a:t>
+            </a:r>
+            <a:r>
+              <a:rPr lang="en-US" sz="1200" dirty="0" smtClean="0">
+                <a:latin typeface="Arial" panose="020B0604020202020204" pitchFamily="34" charset="0"/>
+                <a:cs typeface="Arial" panose="020B0604020202020204" pitchFamily="34" charset="0"/>
+              </a:rPr>
+              <a:t> (</a:t>
+            </a:r>
+            <a:r>
+              <a:rPr lang="en-US" sz="1200" i="1" dirty="0" smtClean="0">
+                <a:latin typeface="Arial" panose="020B0604020202020204" pitchFamily="34" charset="0"/>
+                <a:cs typeface="Arial" panose="020B0604020202020204" pitchFamily="34" charset="0"/>
+              </a:rPr>
+              <a:t>n</a:t>
+            </a:r>
+            <a:r>
+              <a:rPr lang="en-US" sz="1200" dirty="0" smtClean="0">
+                <a:latin typeface="Arial" panose="020B0604020202020204" pitchFamily="34" charset="0"/>
+                <a:cs typeface="Arial" panose="020B0604020202020204" pitchFamily="34" charset="0"/>
+              </a:rPr>
+              <a:t>=266)                         </a:t>
+            </a:r>
+            <a:r>
+              <a:rPr lang="en-US" sz="1200" b="1" dirty="0" smtClean="0">
+                <a:latin typeface="Arial" panose="020B0604020202020204" pitchFamily="34" charset="0"/>
+                <a:cs typeface="Arial" panose="020B0604020202020204" pitchFamily="34" charset="0"/>
+              </a:rPr>
+              <a:t>SCZ</a:t>
+            </a:r>
+            <a:r>
+              <a:rPr lang="en-US" sz="1200" dirty="0" smtClean="0">
+                <a:latin typeface="Arial" panose="020B0604020202020204" pitchFamily="34" charset="0"/>
+                <a:cs typeface="Arial" panose="020B0604020202020204" pitchFamily="34" charset="0"/>
+              </a:rPr>
+              <a:t> (</a:t>
+            </a:r>
+            <a:r>
+              <a:rPr lang="en-US" sz="1200" i="1" dirty="0" smtClean="0">
+                <a:latin typeface="Arial" panose="020B0604020202020204" pitchFamily="34" charset="0"/>
+                <a:cs typeface="Arial" panose="020B0604020202020204" pitchFamily="34" charset="0"/>
+              </a:rPr>
+              <a:t>n</a:t>
+            </a:r>
+            <a:r>
+              <a:rPr lang="en-US" sz="1200" dirty="0" smtClean="0">
+                <a:latin typeface="Arial" panose="020B0604020202020204" pitchFamily="34" charset="0"/>
+                <a:cs typeface="Arial" panose="020B0604020202020204" pitchFamily="34" charset="0"/>
+              </a:rPr>
+              <a:t>=139)</a:t>
+            </a:r>
+            <a:endParaRPr lang="en-US" sz="1200" dirty="0">
+              <a:latin typeface="Arial" panose="020B0604020202020204" pitchFamily="34" charset="0"/>
+              <a:cs typeface="Arial" panose="020B0604020202020204" pitchFamily="34" charset="0"/>
+            </a:endParaRPr>
+          </a:p>
+        </p:txBody>
+      </p:sp>
+      <p:sp>
+        <p:nvSpPr>
+          <p:cNvPr id="20" name="TextBox 19"/>
+          <p:cNvSpPr txBox="1"/>
+          <p:nvPr/>
+        </p:nvSpPr>
+        <p:spPr>
+          <a:xfrm>
+            <a:off x="7532360" y="6299323"/>
+            <a:ext cx="1780463" cy="461665"/>
+          </a:xfrm>
+          <a:prstGeom prst="rect">
+            <a:avLst/>
+          </a:prstGeom>
+          <a:solidFill>
+            <a:schemeClr val="bg1"/>
+          </a:solidFill>
+        </p:spPr>
+        <p:txBody>
+          <a:bodyPr wrap="square" rtlCol="0">
+            <a:spAutoFit/>
+          </a:bodyPr>
+          <a:lstStyle/>
+          <a:p>
+            <a:pPr algn="ctr"/>
+            <a:r>
+              <a:rPr lang="en-US" sz="1200" b="1" dirty="0" smtClean="0">
+                <a:latin typeface="Arial" panose="020B0604020202020204" pitchFamily="34" charset="0"/>
+                <a:cs typeface="Arial" panose="020B0604020202020204" pitchFamily="34" charset="0"/>
+              </a:rPr>
+              <a:t>CTL</a:t>
+            </a:r>
+            <a:r>
+              <a:rPr lang="en-US" sz="1200" dirty="0" smtClean="0">
+                <a:latin typeface="Arial" panose="020B0604020202020204" pitchFamily="34" charset="0"/>
+                <a:cs typeface="Arial" panose="020B0604020202020204" pitchFamily="34" charset="0"/>
+              </a:rPr>
+              <a:t>            </a:t>
+            </a:r>
+            <a:r>
+              <a:rPr lang="en-US" sz="1200" b="1" dirty="0" smtClean="0">
+                <a:latin typeface="Arial" panose="020B0604020202020204" pitchFamily="34" charset="0"/>
+                <a:cs typeface="Arial" panose="020B0604020202020204" pitchFamily="34" charset="0"/>
+              </a:rPr>
+              <a:t>SCZ</a:t>
+            </a:r>
+            <a:br>
+              <a:rPr lang="en-US" sz="1200" b="1" dirty="0" smtClean="0">
+                <a:latin typeface="Arial" panose="020B0604020202020204" pitchFamily="34" charset="0"/>
+                <a:cs typeface="Arial" panose="020B0604020202020204" pitchFamily="34" charset="0"/>
+              </a:rPr>
+            </a:br>
+            <a:r>
+              <a:rPr lang="en-US" sz="1200" dirty="0" smtClean="0">
+                <a:latin typeface="Arial" panose="020B0604020202020204" pitchFamily="34" charset="0"/>
+                <a:cs typeface="Arial" panose="020B0604020202020204" pitchFamily="34" charset="0"/>
+              </a:rPr>
+              <a:t>(</a:t>
+            </a:r>
+            <a:r>
+              <a:rPr lang="en-US" sz="1200" i="1" dirty="0" smtClean="0">
+                <a:latin typeface="Arial" panose="020B0604020202020204" pitchFamily="34" charset="0"/>
+                <a:cs typeface="Arial" panose="020B0604020202020204" pitchFamily="34" charset="0"/>
+              </a:rPr>
+              <a:t>n</a:t>
+            </a:r>
+            <a:r>
+              <a:rPr lang="en-US" sz="1200" dirty="0" smtClean="0">
+                <a:latin typeface="Arial" panose="020B0604020202020204" pitchFamily="34" charset="0"/>
+                <a:cs typeface="Arial" panose="020B0604020202020204" pitchFamily="34" charset="0"/>
+              </a:rPr>
+              <a:t>=266)         (</a:t>
+            </a:r>
+            <a:r>
+              <a:rPr lang="en-US" sz="1200" i="1" dirty="0" smtClean="0">
+                <a:latin typeface="Arial" panose="020B0604020202020204" pitchFamily="34" charset="0"/>
+                <a:cs typeface="Arial" panose="020B0604020202020204" pitchFamily="34" charset="0"/>
+              </a:rPr>
+              <a:t>n</a:t>
+            </a:r>
+            <a:r>
+              <a:rPr lang="en-US" sz="1200" dirty="0" smtClean="0">
+                <a:latin typeface="Arial" panose="020B0604020202020204" pitchFamily="34" charset="0"/>
+                <a:cs typeface="Arial" panose="020B0604020202020204" pitchFamily="34" charset="0"/>
+              </a:rPr>
+              <a:t>=139)</a:t>
+            </a:r>
+            <a:endParaRPr lang="en-US" sz="1200" dirty="0">
+              <a:latin typeface="Arial" panose="020B0604020202020204" pitchFamily="34" charset="0"/>
+              <a:cs typeface="Arial" panose="020B0604020202020204" pitchFamily="34" charset="0"/>
+            </a:endParaRPr>
+          </a:p>
+        </p:txBody>
+      </p:sp>
+      <p:sp>
+        <p:nvSpPr>
+          <p:cNvPr id="8" name="TextBox 7"/>
+          <p:cNvSpPr txBox="1"/>
+          <p:nvPr/>
+        </p:nvSpPr>
+        <p:spPr>
+          <a:xfrm>
+            <a:off x="1991586" y="304808"/>
+            <a:ext cx="370614" cy="4809009"/>
+          </a:xfrm>
+          <a:prstGeom prst="rect">
+            <a:avLst/>
+          </a:prstGeom>
+          <a:noFill/>
+        </p:spPr>
+        <p:txBody>
+          <a:bodyPr wrap="none" rtlCol="0">
+            <a:spAutoFit/>
+          </a:bodyPr>
+          <a:lstStyle/>
+          <a:p>
+            <a:r>
+              <a:rPr lang="en-US" sz="2000" b="1" dirty="0" smtClean="0">
+                <a:latin typeface="Arial" panose="020B0604020202020204" pitchFamily="34" charset="0"/>
+                <a:cs typeface="Arial" panose="020B0604020202020204" pitchFamily="34" charset="0"/>
+              </a:rPr>
+              <a:t>A</a:t>
+            </a:r>
+          </a:p>
+          <a:p>
+            <a:endParaRPr lang="en-US" sz="2000" b="1" dirty="0" smtClean="0">
+              <a:latin typeface="Arial" panose="020B0604020202020204" pitchFamily="34" charset="0"/>
+              <a:cs typeface="Arial" panose="020B0604020202020204" pitchFamily="34" charset="0"/>
+            </a:endParaRPr>
+          </a:p>
+          <a:p>
+            <a:endParaRPr lang="en-US" sz="2000" b="1" dirty="0">
+              <a:latin typeface="Arial" panose="020B0604020202020204" pitchFamily="34" charset="0"/>
+              <a:cs typeface="Arial" panose="020B0604020202020204" pitchFamily="34" charset="0"/>
+            </a:endParaRPr>
+          </a:p>
+          <a:p>
+            <a:endParaRPr lang="en-US" sz="2000" b="1" dirty="0" smtClean="0">
+              <a:latin typeface="Arial" panose="020B0604020202020204" pitchFamily="34" charset="0"/>
+              <a:cs typeface="Arial" panose="020B0604020202020204" pitchFamily="34" charset="0"/>
+            </a:endParaRPr>
+          </a:p>
+          <a:p>
+            <a:endParaRPr lang="en-US" sz="2000" b="1" dirty="0">
+              <a:latin typeface="Arial" panose="020B0604020202020204" pitchFamily="34" charset="0"/>
+              <a:cs typeface="Arial" panose="020B0604020202020204" pitchFamily="34" charset="0"/>
+            </a:endParaRPr>
+          </a:p>
+          <a:p>
+            <a:endParaRPr lang="en-US" sz="2000" b="1" dirty="0" smtClean="0">
+              <a:latin typeface="Arial" panose="020B0604020202020204" pitchFamily="34" charset="0"/>
+              <a:cs typeface="Arial" panose="020B0604020202020204" pitchFamily="34" charset="0"/>
+            </a:endParaRPr>
+          </a:p>
+          <a:p>
+            <a:endParaRPr lang="en-US" sz="2000" b="1" dirty="0" smtClean="0">
+              <a:latin typeface="Arial" panose="020B0604020202020204" pitchFamily="34" charset="0"/>
+              <a:cs typeface="Arial" panose="020B0604020202020204" pitchFamily="34" charset="0"/>
+            </a:endParaRPr>
+          </a:p>
+          <a:p>
+            <a:r>
+              <a:rPr lang="en-US" sz="2000" b="1" dirty="0" smtClean="0">
+                <a:latin typeface="Arial" panose="020B0604020202020204" pitchFamily="34" charset="0"/>
+                <a:cs typeface="Arial" panose="020B0604020202020204" pitchFamily="34" charset="0"/>
+              </a:rPr>
+              <a:t>B</a:t>
+            </a:r>
+            <a:endParaRPr lang="en-US" sz="2000" b="1" dirty="0">
+              <a:latin typeface="Arial" panose="020B0604020202020204" pitchFamily="34" charset="0"/>
+              <a:cs typeface="Arial" panose="020B0604020202020204" pitchFamily="34" charset="0"/>
+            </a:endParaRPr>
+          </a:p>
+          <a:p>
+            <a:endParaRPr lang="en-US" sz="2000" b="1" dirty="0" smtClean="0">
+              <a:latin typeface="Arial" panose="020B0604020202020204" pitchFamily="34" charset="0"/>
+              <a:cs typeface="Arial" panose="020B0604020202020204" pitchFamily="34" charset="0"/>
+            </a:endParaRPr>
+          </a:p>
+          <a:p>
+            <a:endParaRPr lang="en-US" sz="2000" b="1" dirty="0">
+              <a:latin typeface="Arial" panose="020B0604020202020204" pitchFamily="34" charset="0"/>
+              <a:cs typeface="Arial" panose="020B0604020202020204" pitchFamily="34" charset="0"/>
+            </a:endParaRPr>
+          </a:p>
+          <a:p>
+            <a:endParaRPr lang="en-US" sz="1600" b="1" dirty="0" smtClean="0">
+              <a:latin typeface="Arial" panose="020B0604020202020204" pitchFamily="34" charset="0"/>
+              <a:cs typeface="Arial" panose="020B0604020202020204" pitchFamily="34" charset="0"/>
+            </a:endParaRPr>
+          </a:p>
+          <a:p>
+            <a:endParaRPr lang="en-US" sz="2000" b="1" dirty="0" smtClean="0">
+              <a:latin typeface="Arial" panose="020B0604020202020204" pitchFamily="34" charset="0"/>
+              <a:cs typeface="Arial" panose="020B0604020202020204" pitchFamily="34" charset="0"/>
+            </a:endParaRPr>
+          </a:p>
+          <a:p>
+            <a:endParaRPr lang="en-US" sz="2000" b="1" dirty="0" smtClean="0">
+              <a:latin typeface="Arial" panose="020B0604020202020204" pitchFamily="34" charset="0"/>
+              <a:cs typeface="Arial" panose="020B0604020202020204" pitchFamily="34" charset="0"/>
+            </a:endParaRPr>
+          </a:p>
+          <a:p>
+            <a:endParaRPr lang="en-US" sz="2000" b="1" dirty="0" smtClean="0">
+              <a:latin typeface="Arial" panose="020B0604020202020204" pitchFamily="34" charset="0"/>
+              <a:cs typeface="Arial" panose="020B0604020202020204" pitchFamily="34" charset="0"/>
+            </a:endParaRPr>
+          </a:p>
+          <a:p>
+            <a:r>
+              <a:rPr lang="en-US" sz="1050" b="1" dirty="0" smtClean="0">
+                <a:latin typeface="Arial" panose="020B0604020202020204" pitchFamily="34" charset="0"/>
+                <a:cs typeface="Arial" panose="020B0604020202020204" pitchFamily="34" charset="0"/>
+              </a:rPr>
+              <a:t/>
+            </a:r>
+            <a:br>
+              <a:rPr lang="en-US" sz="1050" b="1" dirty="0" smtClean="0">
+                <a:latin typeface="Arial" panose="020B0604020202020204" pitchFamily="34" charset="0"/>
+                <a:cs typeface="Arial" panose="020B0604020202020204" pitchFamily="34" charset="0"/>
+              </a:rPr>
+            </a:br>
+            <a:r>
+              <a:rPr lang="en-US" sz="2000" b="1" dirty="0" smtClean="0">
+                <a:latin typeface="Arial" panose="020B0604020202020204" pitchFamily="34" charset="0"/>
+                <a:cs typeface="Arial" panose="020B0604020202020204" pitchFamily="34" charset="0"/>
+              </a:rPr>
+              <a:t>C</a:t>
+            </a:r>
+            <a:endParaRPr lang="en-US" sz="2000" b="1" dirty="0">
+              <a:latin typeface="Arial" panose="020B0604020202020204" pitchFamily="34" charset="0"/>
+              <a:cs typeface="Arial" panose="020B0604020202020204" pitchFamily="34" charset="0"/>
+            </a:endParaRPr>
+          </a:p>
+        </p:txBody>
+      </p:sp>
+    </p:spTree>
+    <p:extLst>
+      <p:ext uri="{BB962C8B-B14F-4D97-AF65-F5344CB8AC3E}">
+        <p14:creationId xmlns:p14="http://schemas.microsoft.com/office/powerpoint/2010/main" val="394467671"/>
+      </p:ext>
+    </p:extLst>
+  </p:cSld>
+  <p:clrMapOvr>
+    <a:masterClrMapping/>
+  </p:clrMapOvr>
+</p:sld>
+</file>
+
+<file path=ppt/slides/slide3.xml><?xml version="1.0" encoding="utf-8"?>
+<p:sld xmlns:a="http://schemas.openxmlformats.org/drawingml/2006/main" xmlns:r="http://schemas.openxmlformats.org/officeDocument/2006/relationships" xmlns:p="http://schemas.openxmlformats.org/presentationml/2006/main">
+  <p:cSld>
+    <p:spTree>
+      <p:nvGrpSpPr>
+        <p:cNvPr id="1" name=""/>
+        <p:cNvGrpSpPr/>
+        <p:nvPr/>
+      </p:nvGrpSpPr>
+      <p:grpSpPr>
+        <a:xfrm>
+          <a:off x="0" y="0"/>
+          <a:ext cx="0" cy="0"/>
+          <a:chOff x="0" y="0"/>
+          <a:chExt cx="0" cy="0"/>
+        </a:xfrm>
+      </p:grpSpPr>
+      <p:pic>
+        <p:nvPicPr>
           <p:cNvPr id="2" name="Picture 1"/>
           <p:cNvPicPr>
             <a:picLocks noChangeAspect="1"/>
@@ -3919,7 +4486,7 @@
 </p:sld>
 </file>
 
-<file path=ppt/slides/slide3.xml><?xml version="1.0" encoding="utf-8"?>
+<file path=ppt/slides/slide4.xml><?xml version="1.0" encoding="utf-8"?>
 <p:sld xmlns:a="http://schemas.openxmlformats.org/drawingml/2006/main" xmlns:r="http://schemas.openxmlformats.org/officeDocument/2006/relationships" xmlns:p="http://schemas.openxmlformats.org/presentationml/2006/main">
   <p:cSld>
     <p:spTree>

--- a/s1_expr_dispersion_test_single_gene/res.pptx
+++ b/s1_expr_dispersion_test_single_gene/res.pptx
@@ -246,7 +246,7 @@
           <a:p>
             <a:fld id="{805420EF-6C6F-4BA2-8637-8A587F5B00E8}" type="datetimeFigureOut">
               <a:rPr lang="en-US" smtClean="0"/>
-              <a:t>9/18/2018</a:t>
+              <a:t>10/1/2018</a:t>
             </a:fld>
             <a:endParaRPr lang="en-US"/>
           </a:p>
@@ -416,7 +416,7 @@
           <a:p>
             <a:fld id="{805420EF-6C6F-4BA2-8637-8A587F5B00E8}" type="datetimeFigureOut">
               <a:rPr lang="en-US" smtClean="0"/>
-              <a:t>9/18/2018</a:t>
+              <a:t>10/1/2018</a:t>
             </a:fld>
             <a:endParaRPr lang="en-US"/>
           </a:p>
@@ -596,7 +596,7 @@
           <a:p>
             <a:fld id="{805420EF-6C6F-4BA2-8637-8A587F5B00E8}" type="datetimeFigureOut">
               <a:rPr lang="en-US" smtClean="0"/>
-              <a:t>9/18/2018</a:t>
+              <a:t>10/1/2018</a:t>
             </a:fld>
             <a:endParaRPr lang="en-US"/>
           </a:p>
@@ -766,7 +766,7 @@
           <a:p>
             <a:fld id="{805420EF-6C6F-4BA2-8637-8A587F5B00E8}" type="datetimeFigureOut">
               <a:rPr lang="en-US" smtClean="0"/>
-              <a:t>9/18/2018</a:t>
+              <a:t>10/1/2018</a:t>
             </a:fld>
             <a:endParaRPr lang="en-US"/>
           </a:p>
@@ -1012,7 +1012,7 @@
           <a:p>
             <a:fld id="{805420EF-6C6F-4BA2-8637-8A587F5B00E8}" type="datetimeFigureOut">
               <a:rPr lang="en-US" smtClean="0"/>
-              <a:t>9/18/2018</a:t>
+              <a:t>10/1/2018</a:t>
             </a:fld>
             <a:endParaRPr lang="en-US"/>
           </a:p>
@@ -1244,7 +1244,7 @@
           <a:p>
             <a:fld id="{805420EF-6C6F-4BA2-8637-8A587F5B00E8}" type="datetimeFigureOut">
               <a:rPr lang="en-US" smtClean="0"/>
-              <a:t>9/18/2018</a:t>
+              <a:t>10/1/2018</a:t>
             </a:fld>
             <a:endParaRPr lang="en-US"/>
           </a:p>
@@ -1611,7 +1611,7 @@
           <a:p>
             <a:fld id="{805420EF-6C6F-4BA2-8637-8A587F5B00E8}" type="datetimeFigureOut">
               <a:rPr lang="en-US" smtClean="0"/>
-              <a:t>9/18/2018</a:t>
+              <a:t>10/1/2018</a:t>
             </a:fld>
             <a:endParaRPr lang="en-US"/>
           </a:p>
@@ -1729,7 +1729,7 @@
           <a:p>
             <a:fld id="{805420EF-6C6F-4BA2-8637-8A587F5B00E8}" type="datetimeFigureOut">
               <a:rPr lang="en-US" smtClean="0"/>
-              <a:t>9/18/2018</a:t>
+              <a:t>10/1/2018</a:t>
             </a:fld>
             <a:endParaRPr lang="en-US"/>
           </a:p>
@@ -1824,7 +1824,7 @@
           <a:p>
             <a:fld id="{805420EF-6C6F-4BA2-8637-8A587F5B00E8}" type="datetimeFigureOut">
               <a:rPr lang="en-US" smtClean="0"/>
-              <a:t>9/18/2018</a:t>
+              <a:t>10/1/2018</a:t>
             </a:fld>
             <a:endParaRPr lang="en-US"/>
           </a:p>
@@ -2101,7 +2101,7 @@
           <a:p>
             <a:fld id="{805420EF-6C6F-4BA2-8637-8A587F5B00E8}" type="datetimeFigureOut">
               <a:rPr lang="en-US" smtClean="0"/>
-              <a:t>9/18/2018</a:t>
+              <a:t>10/1/2018</a:t>
             </a:fld>
             <a:endParaRPr lang="en-US"/>
           </a:p>
@@ -2354,7 +2354,7 @@
           <a:p>
             <a:fld id="{805420EF-6C6F-4BA2-8637-8A587F5B00E8}" type="datetimeFigureOut">
               <a:rPr lang="en-US" smtClean="0"/>
-              <a:t>9/18/2018</a:t>
+              <a:t>10/1/2018</a:t>
             </a:fld>
             <a:endParaRPr lang="en-US"/>
           </a:p>
@@ -2567,7 +2567,7 @@
           <a:p>
             <a:fld id="{805420EF-6C6F-4BA2-8637-8A587F5B00E8}" type="datetimeFigureOut">
               <a:rPr lang="en-US" smtClean="0"/>
-              <a:t>9/18/2018</a:t>
+              <a:t>10/1/2018</a:t>
             </a:fld>
             <a:endParaRPr lang="en-US"/>
           </a:p>
@@ -2987,7 +2987,7 @@
         </p:blipFill>
         <p:spPr>
           <a:xfrm>
-            <a:off x="2010065" y="144015"/>
+            <a:off x="2025563" y="1151405"/>
             <a:ext cx="5028049" cy="2132134"/>
           </a:xfrm>
           <a:prstGeom prst="rect">
@@ -3010,7 +3010,7 @@
         </p:blipFill>
         <p:spPr>
           <a:xfrm>
-            <a:off x="7038121" y="134779"/>
+            <a:off x="7053619" y="1142169"/>
             <a:ext cx="2576768" cy="2281603"/>
           </a:xfrm>
           <a:prstGeom prst="rect">
@@ -3026,7 +3026,7 @@
         </p:nvSpPr>
         <p:spPr>
           <a:xfrm>
-            <a:off x="3237483" y="1999150"/>
+            <a:off x="3252981" y="3006540"/>
             <a:ext cx="3025187" cy="276999"/>
           </a:xfrm>
           <a:prstGeom prst="rect">
@@ -3111,7 +3111,7 @@
         </p:nvSpPr>
         <p:spPr>
           <a:xfrm>
-            <a:off x="7450835" y="1814484"/>
+            <a:off x="7466333" y="2821874"/>
             <a:ext cx="1780463" cy="461665"/>
           </a:xfrm>
           <a:prstGeom prst="rect">
@@ -3212,7 +3212,7 @@
         </p:blipFill>
         <p:spPr>
           <a:xfrm>
-            <a:off x="2010065" y="2394560"/>
+            <a:off x="2025563" y="3401950"/>
             <a:ext cx="5037286" cy="2164195"/>
           </a:xfrm>
           <a:prstGeom prst="rect">
@@ -3235,7 +3235,7 @@
         </p:blipFill>
         <p:spPr>
           <a:xfrm>
-            <a:off x="6991939" y="2385324"/>
+            <a:off x="7007437" y="3392714"/>
             <a:ext cx="2710428" cy="2168389"/>
           </a:xfrm>
           <a:prstGeom prst="rect">
@@ -3251,7 +3251,7 @@
         </p:nvSpPr>
         <p:spPr>
           <a:xfrm>
-            <a:off x="3623785" y="4276714"/>
+            <a:off x="3639283" y="5284104"/>
             <a:ext cx="3025187" cy="276999"/>
           </a:xfrm>
           <a:prstGeom prst="rect">
@@ -3336,7 +3336,7 @@
         </p:nvSpPr>
         <p:spPr>
           <a:xfrm>
-            <a:off x="7532360" y="4101247"/>
+            <a:off x="7547858" y="5108637"/>
             <a:ext cx="1780463" cy="461665"/>
           </a:xfrm>
           <a:prstGeom prst="rect">
@@ -3430,7 +3430,7 @@
         </p:nvSpPr>
         <p:spPr>
           <a:xfrm>
-            <a:off x="1991586" y="304808"/>
+            <a:off x="2007084" y="1312198"/>
             <a:ext cx="370614" cy="2554545"/>
           </a:xfrm>
           <a:prstGeom prst="rect">

--- a/s1_expr_dispersion_test_single_gene/res.pptx
+++ b/s1_expr_dispersion_test_single_gene/res.pptx
@@ -157,10 +157,9 @@
           </a:lstStyle>
           <a:p>
             <a:r>
-              <a:rPr lang="en-US" smtClean="0"/>
+              <a:rPr lang="en-US"/>
               <a:t>Click to edit Master title style</a:t>
             </a:r>
-            <a:endParaRPr lang="en-US"/>
           </a:p>
         </p:txBody>
       </p:sp>
@@ -222,10 +221,9 @@
           </a:lstStyle>
           <a:p>
             <a:r>
-              <a:rPr lang="en-US" smtClean="0"/>
+              <a:rPr lang="en-US"/>
               <a:t>Click to edit Master subtitle style</a:t>
             </a:r>
-            <a:endParaRPr lang="en-US"/>
           </a:p>
         </p:txBody>
       </p:sp>
@@ -246,7 +244,7 @@
           <a:p>
             <a:fld id="{805420EF-6C6F-4BA2-8637-8A587F5B00E8}" type="datetimeFigureOut">
               <a:rPr lang="en-US" smtClean="0"/>
-              <a:t>10/1/2018</a:t>
+              <a:t>1/24/2020</a:t>
             </a:fld>
             <a:endParaRPr lang="en-US"/>
           </a:p>
@@ -340,10 +338,9 @@
           <a:lstStyle/>
           <a:p>
             <a:r>
-              <a:rPr lang="en-US" smtClean="0"/>
+              <a:rPr lang="en-US"/>
               <a:t>Click to edit Master title style</a:t>
             </a:r>
-            <a:endParaRPr lang="en-US"/>
           </a:p>
         </p:txBody>
       </p:sp>
@@ -364,38 +361,37 @@
           <a:p>
             <a:pPr lvl="0"/>
             <a:r>
-              <a:rPr lang="en-US" smtClean="0"/>
+              <a:rPr lang="en-US"/>
               <a:t>Edit Master text styles</a:t>
             </a:r>
           </a:p>
           <a:p>
             <a:pPr lvl="1"/>
             <a:r>
-              <a:rPr lang="en-US" smtClean="0"/>
+              <a:rPr lang="en-US"/>
               <a:t>Second level</a:t>
             </a:r>
           </a:p>
           <a:p>
             <a:pPr lvl="2"/>
             <a:r>
-              <a:rPr lang="en-US" smtClean="0"/>
+              <a:rPr lang="en-US"/>
               <a:t>Third level</a:t>
             </a:r>
           </a:p>
           <a:p>
             <a:pPr lvl="3"/>
             <a:r>
-              <a:rPr lang="en-US" smtClean="0"/>
+              <a:rPr lang="en-US"/>
               <a:t>Fourth level</a:t>
             </a:r>
           </a:p>
           <a:p>
             <a:pPr lvl="4"/>
             <a:r>
-              <a:rPr lang="en-US" smtClean="0"/>
+              <a:rPr lang="en-US"/>
               <a:t>Fifth level</a:t>
             </a:r>
-            <a:endParaRPr lang="en-US"/>
           </a:p>
         </p:txBody>
       </p:sp>
@@ -416,7 +412,7 @@
           <a:p>
             <a:fld id="{805420EF-6C6F-4BA2-8637-8A587F5B00E8}" type="datetimeFigureOut">
               <a:rPr lang="en-US" smtClean="0"/>
-              <a:t>10/1/2018</a:t>
+              <a:t>1/24/2020</a:t>
             </a:fld>
             <a:endParaRPr lang="en-US"/>
           </a:p>
@@ -515,10 +511,9 @@
           <a:lstStyle/>
           <a:p>
             <a:r>
-              <a:rPr lang="en-US" smtClean="0"/>
+              <a:rPr lang="en-US"/>
               <a:t>Click to edit Master title style</a:t>
             </a:r>
-            <a:endParaRPr lang="en-US"/>
           </a:p>
         </p:txBody>
       </p:sp>
@@ -544,38 +539,37 @@
           <a:p>
             <a:pPr lvl="0"/>
             <a:r>
-              <a:rPr lang="en-US" smtClean="0"/>
+              <a:rPr lang="en-US"/>
               <a:t>Edit Master text styles</a:t>
             </a:r>
           </a:p>
           <a:p>
             <a:pPr lvl="1"/>
             <a:r>
-              <a:rPr lang="en-US" smtClean="0"/>
+              <a:rPr lang="en-US"/>
               <a:t>Second level</a:t>
             </a:r>
           </a:p>
           <a:p>
             <a:pPr lvl="2"/>
             <a:r>
-              <a:rPr lang="en-US" smtClean="0"/>
+              <a:rPr lang="en-US"/>
               <a:t>Third level</a:t>
             </a:r>
           </a:p>
           <a:p>
             <a:pPr lvl="3"/>
             <a:r>
-              <a:rPr lang="en-US" smtClean="0"/>
+              <a:rPr lang="en-US"/>
               <a:t>Fourth level</a:t>
             </a:r>
           </a:p>
           <a:p>
             <a:pPr lvl="4"/>
             <a:r>
-              <a:rPr lang="en-US" smtClean="0"/>
+              <a:rPr lang="en-US"/>
               <a:t>Fifth level</a:t>
             </a:r>
-            <a:endParaRPr lang="en-US"/>
           </a:p>
         </p:txBody>
       </p:sp>
@@ -596,7 +590,7 @@
           <a:p>
             <a:fld id="{805420EF-6C6F-4BA2-8637-8A587F5B00E8}" type="datetimeFigureOut">
               <a:rPr lang="en-US" smtClean="0"/>
-              <a:t>10/1/2018</a:t>
+              <a:t>1/24/2020</a:t>
             </a:fld>
             <a:endParaRPr lang="en-US"/>
           </a:p>
@@ -690,10 +684,9 @@
           <a:lstStyle/>
           <a:p>
             <a:r>
-              <a:rPr lang="en-US" smtClean="0"/>
+              <a:rPr lang="en-US"/>
               <a:t>Click to edit Master title style</a:t>
             </a:r>
-            <a:endParaRPr lang="en-US"/>
           </a:p>
         </p:txBody>
       </p:sp>
@@ -714,38 +707,37 @@
           <a:p>
             <a:pPr lvl="0"/>
             <a:r>
-              <a:rPr lang="en-US" smtClean="0"/>
+              <a:rPr lang="en-US"/>
               <a:t>Edit Master text styles</a:t>
             </a:r>
           </a:p>
           <a:p>
             <a:pPr lvl="1"/>
             <a:r>
-              <a:rPr lang="en-US" smtClean="0"/>
+              <a:rPr lang="en-US"/>
               <a:t>Second level</a:t>
             </a:r>
           </a:p>
           <a:p>
             <a:pPr lvl="2"/>
             <a:r>
-              <a:rPr lang="en-US" smtClean="0"/>
+              <a:rPr lang="en-US"/>
               <a:t>Third level</a:t>
             </a:r>
           </a:p>
           <a:p>
             <a:pPr lvl="3"/>
             <a:r>
-              <a:rPr lang="en-US" smtClean="0"/>
+              <a:rPr lang="en-US"/>
               <a:t>Fourth level</a:t>
             </a:r>
           </a:p>
           <a:p>
             <a:pPr lvl="4"/>
             <a:r>
-              <a:rPr lang="en-US" smtClean="0"/>
+              <a:rPr lang="en-US"/>
               <a:t>Fifth level</a:t>
             </a:r>
-            <a:endParaRPr lang="en-US"/>
           </a:p>
         </p:txBody>
       </p:sp>
@@ -766,7 +758,7 @@
           <a:p>
             <a:fld id="{805420EF-6C6F-4BA2-8637-8A587F5B00E8}" type="datetimeFigureOut">
               <a:rPr lang="en-US" smtClean="0"/>
-              <a:t>10/1/2018</a:t>
+              <a:t>1/24/2020</a:t>
             </a:fld>
             <a:endParaRPr lang="en-US"/>
           </a:p>
@@ -869,10 +861,9 @@
           </a:lstStyle>
           <a:p>
             <a:r>
-              <a:rPr lang="en-US" smtClean="0"/>
+              <a:rPr lang="en-US"/>
               <a:t>Click to edit Master title style</a:t>
             </a:r>
-            <a:endParaRPr lang="en-US"/>
           </a:p>
         </p:txBody>
       </p:sp>
@@ -989,7 +980,7 @@
           <a:p>
             <a:pPr lvl="0"/>
             <a:r>
-              <a:rPr lang="en-US" smtClean="0"/>
+              <a:rPr lang="en-US"/>
               <a:t>Edit Master text styles</a:t>
             </a:r>
           </a:p>
@@ -1012,7 +1003,7 @@
           <a:p>
             <a:fld id="{805420EF-6C6F-4BA2-8637-8A587F5B00E8}" type="datetimeFigureOut">
               <a:rPr lang="en-US" smtClean="0"/>
-              <a:t>10/1/2018</a:t>
+              <a:t>1/24/2020</a:t>
             </a:fld>
             <a:endParaRPr lang="en-US"/>
           </a:p>
@@ -1106,10 +1097,9 @@
           <a:lstStyle/>
           <a:p>
             <a:r>
-              <a:rPr lang="en-US" smtClean="0"/>
+              <a:rPr lang="en-US"/>
               <a:t>Click to edit Master title style</a:t>
             </a:r>
-            <a:endParaRPr lang="en-US"/>
           </a:p>
         </p:txBody>
       </p:sp>
@@ -1135,38 +1125,37 @@
           <a:p>
             <a:pPr lvl="0"/>
             <a:r>
-              <a:rPr lang="en-US" smtClean="0"/>
+              <a:rPr lang="en-US"/>
               <a:t>Edit Master text styles</a:t>
             </a:r>
           </a:p>
           <a:p>
             <a:pPr lvl="1"/>
             <a:r>
-              <a:rPr lang="en-US" smtClean="0"/>
+              <a:rPr lang="en-US"/>
               <a:t>Second level</a:t>
             </a:r>
           </a:p>
           <a:p>
             <a:pPr lvl="2"/>
             <a:r>
-              <a:rPr lang="en-US" smtClean="0"/>
+              <a:rPr lang="en-US"/>
               <a:t>Third level</a:t>
             </a:r>
           </a:p>
           <a:p>
             <a:pPr lvl="3"/>
             <a:r>
-              <a:rPr lang="en-US" smtClean="0"/>
+              <a:rPr lang="en-US"/>
               <a:t>Fourth level</a:t>
             </a:r>
           </a:p>
           <a:p>
             <a:pPr lvl="4"/>
             <a:r>
-              <a:rPr lang="en-US" smtClean="0"/>
+              <a:rPr lang="en-US"/>
               <a:t>Fifth level</a:t>
             </a:r>
-            <a:endParaRPr lang="en-US"/>
           </a:p>
         </p:txBody>
       </p:sp>
@@ -1192,38 +1181,37 @@
           <a:p>
             <a:pPr lvl="0"/>
             <a:r>
-              <a:rPr lang="en-US" smtClean="0"/>
+              <a:rPr lang="en-US"/>
               <a:t>Edit Master text styles</a:t>
             </a:r>
           </a:p>
           <a:p>
             <a:pPr lvl="1"/>
             <a:r>
-              <a:rPr lang="en-US" smtClean="0"/>
+              <a:rPr lang="en-US"/>
               <a:t>Second level</a:t>
             </a:r>
           </a:p>
           <a:p>
             <a:pPr lvl="2"/>
             <a:r>
-              <a:rPr lang="en-US" smtClean="0"/>
+              <a:rPr lang="en-US"/>
               <a:t>Third level</a:t>
             </a:r>
           </a:p>
           <a:p>
             <a:pPr lvl="3"/>
             <a:r>
-              <a:rPr lang="en-US" smtClean="0"/>
+              <a:rPr lang="en-US"/>
               <a:t>Fourth level</a:t>
             </a:r>
           </a:p>
           <a:p>
             <a:pPr lvl="4"/>
             <a:r>
-              <a:rPr lang="en-US" smtClean="0"/>
+              <a:rPr lang="en-US"/>
               <a:t>Fifth level</a:t>
             </a:r>
-            <a:endParaRPr lang="en-US"/>
           </a:p>
         </p:txBody>
       </p:sp>
@@ -1244,7 +1232,7 @@
           <a:p>
             <a:fld id="{805420EF-6C6F-4BA2-8637-8A587F5B00E8}" type="datetimeFigureOut">
               <a:rPr lang="en-US" smtClean="0"/>
-              <a:t>10/1/2018</a:t>
+              <a:t>1/24/2020</a:t>
             </a:fld>
             <a:endParaRPr lang="en-US"/>
           </a:p>
@@ -1343,10 +1331,9 @@
           <a:lstStyle/>
           <a:p>
             <a:r>
-              <a:rPr lang="en-US" smtClean="0"/>
+              <a:rPr lang="en-US"/>
               <a:t>Click to edit Master title style</a:t>
             </a:r>
-            <a:endParaRPr lang="en-US"/>
           </a:p>
         </p:txBody>
       </p:sp>
@@ -1409,7 +1396,7 @@
           <a:p>
             <a:pPr lvl="0"/>
             <a:r>
-              <a:rPr lang="en-US" smtClean="0"/>
+              <a:rPr lang="en-US"/>
               <a:t>Edit Master text styles</a:t>
             </a:r>
           </a:p>
@@ -1437,38 +1424,37 @@
           <a:p>
             <a:pPr lvl="0"/>
             <a:r>
-              <a:rPr lang="en-US" smtClean="0"/>
+              <a:rPr lang="en-US"/>
               <a:t>Edit Master text styles</a:t>
             </a:r>
           </a:p>
           <a:p>
             <a:pPr lvl="1"/>
             <a:r>
-              <a:rPr lang="en-US" smtClean="0"/>
+              <a:rPr lang="en-US"/>
               <a:t>Second level</a:t>
             </a:r>
           </a:p>
           <a:p>
             <a:pPr lvl="2"/>
             <a:r>
-              <a:rPr lang="en-US" smtClean="0"/>
+              <a:rPr lang="en-US"/>
               <a:t>Third level</a:t>
             </a:r>
           </a:p>
           <a:p>
             <a:pPr lvl="3"/>
             <a:r>
-              <a:rPr lang="en-US" smtClean="0"/>
+              <a:rPr lang="en-US"/>
               <a:t>Fourth level</a:t>
             </a:r>
           </a:p>
           <a:p>
             <a:pPr lvl="4"/>
             <a:r>
-              <a:rPr lang="en-US" smtClean="0"/>
+              <a:rPr lang="en-US"/>
               <a:t>Fifth level</a:t>
             </a:r>
-            <a:endParaRPr lang="en-US"/>
           </a:p>
         </p:txBody>
       </p:sp>
@@ -1531,7 +1517,7 @@
           <a:p>
             <a:pPr lvl="0"/>
             <a:r>
-              <a:rPr lang="en-US" smtClean="0"/>
+              <a:rPr lang="en-US"/>
               <a:t>Edit Master text styles</a:t>
             </a:r>
           </a:p>
@@ -1559,38 +1545,37 @@
           <a:p>
             <a:pPr lvl="0"/>
             <a:r>
-              <a:rPr lang="en-US" smtClean="0"/>
+              <a:rPr lang="en-US"/>
               <a:t>Edit Master text styles</a:t>
             </a:r>
           </a:p>
           <a:p>
             <a:pPr lvl="1"/>
             <a:r>
-              <a:rPr lang="en-US" smtClean="0"/>
+              <a:rPr lang="en-US"/>
               <a:t>Second level</a:t>
             </a:r>
           </a:p>
           <a:p>
             <a:pPr lvl="2"/>
             <a:r>
-              <a:rPr lang="en-US" smtClean="0"/>
+              <a:rPr lang="en-US"/>
               <a:t>Third level</a:t>
             </a:r>
           </a:p>
           <a:p>
             <a:pPr lvl="3"/>
             <a:r>
-              <a:rPr lang="en-US" smtClean="0"/>
+              <a:rPr lang="en-US"/>
               <a:t>Fourth level</a:t>
             </a:r>
           </a:p>
           <a:p>
             <a:pPr lvl="4"/>
             <a:r>
-              <a:rPr lang="en-US" smtClean="0"/>
+              <a:rPr lang="en-US"/>
               <a:t>Fifth level</a:t>
             </a:r>
-            <a:endParaRPr lang="en-US"/>
           </a:p>
         </p:txBody>
       </p:sp>
@@ -1611,7 +1596,7 @@
           <a:p>
             <a:fld id="{805420EF-6C6F-4BA2-8637-8A587F5B00E8}" type="datetimeFigureOut">
               <a:rPr lang="en-US" smtClean="0"/>
-              <a:t>10/1/2018</a:t>
+              <a:t>1/24/2020</a:t>
             </a:fld>
             <a:endParaRPr lang="en-US"/>
           </a:p>
@@ -1705,10 +1690,9 @@
           <a:lstStyle/>
           <a:p>
             <a:r>
-              <a:rPr lang="en-US" smtClean="0"/>
+              <a:rPr lang="en-US"/>
               <a:t>Click to edit Master title style</a:t>
             </a:r>
-            <a:endParaRPr lang="en-US"/>
           </a:p>
         </p:txBody>
       </p:sp>
@@ -1729,7 +1713,7 @@
           <a:p>
             <a:fld id="{805420EF-6C6F-4BA2-8637-8A587F5B00E8}" type="datetimeFigureOut">
               <a:rPr lang="en-US" smtClean="0"/>
-              <a:t>10/1/2018</a:t>
+              <a:t>1/24/2020</a:t>
             </a:fld>
             <a:endParaRPr lang="en-US"/>
           </a:p>
@@ -1824,7 +1808,7 @@
           <a:p>
             <a:fld id="{805420EF-6C6F-4BA2-8637-8A587F5B00E8}" type="datetimeFigureOut">
               <a:rPr lang="en-US" smtClean="0"/>
-              <a:t>10/1/2018</a:t>
+              <a:t>1/24/2020</a:t>
             </a:fld>
             <a:endParaRPr lang="en-US"/>
           </a:p>
@@ -1927,10 +1911,9 @@
           </a:lstStyle>
           <a:p>
             <a:r>
-              <a:rPr lang="en-US" smtClean="0"/>
+              <a:rPr lang="en-US"/>
               <a:t>Click to edit Master title style</a:t>
             </a:r>
-            <a:endParaRPr lang="en-US"/>
           </a:p>
         </p:txBody>
       </p:sp>
@@ -1984,38 +1967,37 @@
           <a:p>
             <a:pPr lvl="0"/>
             <a:r>
-              <a:rPr lang="en-US" smtClean="0"/>
+              <a:rPr lang="en-US"/>
               <a:t>Edit Master text styles</a:t>
             </a:r>
           </a:p>
           <a:p>
             <a:pPr lvl="1"/>
             <a:r>
-              <a:rPr lang="en-US" smtClean="0"/>
+              <a:rPr lang="en-US"/>
               <a:t>Second level</a:t>
             </a:r>
           </a:p>
           <a:p>
             <a:pPr lvl="2"/>
             <a:r>
-              <a:rPr lang="en-US" smtClean="0"/>
+              <a:rPr lang="en-US"/>
               <a:t>Third level</a:t>
             </a:r>
           </a:p>
           <a:p>
             <a:pPr lvl="3"/>
             <a:r>
-              <a:rPr lang="en-US" smtClean="0"/>
+              <a:rPr lang="en-US"/>
               <a:t>Fourth level</a:t>
             </a:r>
           </a:p>
           <a:p>
             <a:pPr lvl="4"/>
             <a:r>
-              <a:rPr lang="en-US" smtClean="0"/>
+              <a:rPr lang="en-US"/>
               <a:t>Fifth level</a:t>
             </a:r>
-            <a:endParaRPr lang="en-US"/>
           </a:p>
         </p:txBody>
       </p:sp>
@@ -2078,7 +2060,7 @@
           <a:p>
             <a:pPr lvl="0"/>
             <a:r>
-              <a:rPr lang="en-US" smtClean="0"/>
+              <a:rPr lang="en-US"/>
               <a:t>Edit Master text styles</a:t>
             </a:r>
           </a:p>
@@ -2101,7 +2083,7 @@
           <a:p>
             <a:fld id="{805420EF-6C6F-4BA2-8637-8A587F5B00E8}" type="datetimeFigureOut">
               <a:rPr lang="en-US" smtClean="0"/>
-              <a:t>10/1/2018</a:t>
+              <a:t>1/24/2020</a:t>
             </a:fld>
             <a:endParaRPr lang="en-US"/>
           </a:p>
@@ -2204,10 +2186,9 @@
           </a:lstStyle>
           <a:p>
             <a:r>
-              <a:rPr lang="en-US" smtClean="0"/>
+              <a:rPr lang="en-US"/>
               <a:t>Click to edit Master title style</a:t>
             </a:r>
-            <a:endParaRPr lang="en-US"/>
           </a:p>
         </p:txBody>
       </p:sp>
@@ -2331,7 +2312,7 @@
           <a:p>
             <a:pPr lvl="0"/>
             <a:r>
-              <a:rPr lang="en-US" smtClean="0"/>
+              <a:rPr lang="en-US"/>
               <a:t>Edit Master text styles</a:t>
             </a:r>
           </a:p>
@@ -2354,7 +2335,7 @@
           <a:p>
             <a:fld id="{805420EF-6C6F-4BA2-8637-8A587F5B00E8}" type="datetimeFigureOut">
               <a:rPr lang="en-US" smtClean="0"/>
-              <a:t>10/1/2018</a:t>
+              <a:t>1/24/2020</a:t>
             </a:fld>
             <a:endParaRPr lang="en-US"/>
           </a:p>
@@ -2463,10 +2444,9 @@
           <a:lstStyle/>
           <a:p>
             <a:r>
-              <a:rPr lang="en-US" smtClean="0"/>
+              <a:rPr lang="en-US"/>
               <a:t>Click to edit Master title style</a:t>
             </a:r>
-            <a:endParaRPr lang="en-US"/>
           </a:p>
         </p:txBody>
       </p:sp>
@@ -2497,38 +2477,37 @@
           <a:p>
             <a:pPr lvl="0"/>
             <a:r>
-              <a:rPr lang="en-US" smtClean="0"/>
+              <a:rPr lang="en-US"/>
               <a:t>Edit Master text styles</a:t>
             </a:r>
           </a:p>
           <a:p>
             <a:pPr lvl="1"/>
             <a:r>
-              <a:rPr lang="en-US" smtClean="0"/>
+              <a:rPr lang="en-US"/>
               <a:t>Second level</a:t>
             </a:r>
           </a:p>
           <a:p>
             <a:pPr lvl="2"/>
             <a:r>
-              <a:rPr lang="en-US" smtClean="0"/>
+              <a:rPr lang="en-US"/>
               <a:t>Third level</a:t>
             </a:r>
           </a:p>
           <a:p>
             <a:pPr lvl="3"/>
             <a:r>
-              <a:rPr lang="en-US" smtClean="0"/>
+              <a:rPr lang="en-US"/>
               <a:t>Fourth level</a:t>
             </a:r>
           </a:p>
           <a:p>
             <a:pPr lvl="4"/>
             <a:r>
-              <a:rPr lang="en-US" smtClean="0"/>
+              <a:rPr lang="en-US"/>
               <a:t>Fifth level</a:t>
             </a:r>
-            <a:endParaRPr lang="en-US"/>
           </a:p>
         </p:txBody>
       </p:sp>
@@ -2567,7 +2546,7 @@
           <a:p>
             <a:fld id="{805420EF-6C6F-4BA2-8637-8A587F5B00E8}" type="datetimeFigureOut">
               <a:rPr lang="en-US" smtClean="0"/>
-              <a:t>10/1/2018</a:t>
+              <a:t>1/24/2020</a:t>
             </a:fld>
             <a:endParaRPr lang="en-US"/>
           </a:p>
@@ -3041,65 +3020,61 @@
           <a:lstStyle/>
           <a:p>
             <a:r>
-              <a:rPr lang="en-US" sz="1200" b="1" dirty="0" smtClean="0">
+              <a:rPr lang="en-US" sz="1200" b="1" dirty="0">
                 <a:latin typeface="Arial" panose="020B0604020202020204" pitchFamily="34" charset="0"/>
                 <a:cs typeface="Arial" panose="020B0604020202020204" pitchFamily="34" charset="0"/>
               </a:rPr>
               <a:t>CTL</a:t>
             </a:r>
             <a:r>
-              <a:rPr lang="en-US" sz="1200" dirty="0" smtClean="0">
+              <a:rPr lang="en-US" sz="1200" dirty="0">
                 <a:latin typeface="Arial" panose="020B0604020202020204" pitchFamily="34" charset="0"/>
                 <a:cs typeface="Arial" panose="020B0604020202020204" pitchFamily="34" charset="0"/>
               </a:rPr>
               <a:t> (</a:t>
             </a:r>
             <a:r>
-              <a:rPr lang="en-US" sz="1200" i="1" dirty="0" smtClean="0">
+              <a:rPr lang="en-US" sz="1200" i="1" dirty="0">
                 <a:latin typeface="Arial" panose="020B0604020202020204" pitchFamily="34" charset="0"/>
                 <a:cs typeface="Arial" panose="020B0604020202020204" pitchFamily="34" charset="0"/>
               </a:rPr>
               <a:t>n</a:t>
             </a:r>
             <a:r>
-              <a:rPr lang="en-US" sz="1200" dirty="0" smtClean="0">
+              <a:rPr lang="en-US" sz="1200" dirty="0">
                 <a:latin typeface="Arial" panose="020B0604020202020204" pitchFamily="34" charset="0"/>
                 <a:cs typeface="Arial" panose="020B0604020202020204" pitchFamily="34" charset="0"/>
               </a:rPr>
               <a:t>=212)                         </a:t>
             </a:r>
             <a:r>
-              <a:rPr lang="en-US" sz="1200" b="1" dirty="0" smtClean="0">
+              <a:rPr lang="en-US" sz="1200" b="1" dirty="0">
                 <a:latin typeface="Arial" panose="020B0604020202020204" pitchFamily="34" charset="0"/>
                 <a:cs typeface="Arial" panose="020B0604020202020204" pitchFamily="34" charset="0"/>
               </a:rPr>
               <a:t>SCZ</a:t>
             </a:r>
             <a:r>
-              <a:rPr lang="en-US" sz="1200" dirty="0" smtClean="0">
+              <a:rPr lang="en-US" sz="1200" dirty="0">
                 <a:latin typeface="Arial" panose="020B0604020202020204" pitchFamily="34" charset="0"/>
                 <a:cs typeface="Arial" panose="020B0604020202020204" pitchFamily="34" charset="0"/>
               </a:rPr>
               <a:t> (</a:t>
             </a:r>
             <a:r>
-              <a:rPr lang="en-US" sz="1200" i="1" dirty="0" smtClean="0">
+              <a:rPr lang="en-US" sz="1200" i="1" dirty="0">
                 <a:latin typeface="Arial" panose="020B0604020202020204" pitchFamily="34" charset="0"/>
                 <a:cs typeface="Arial" panose="020B0604020202020204" pitchFamily="34" charset="0"/>
               </a:rPr>
               <a:t>n</a:t>
             </a:r>
             <a:r>
-              <a:rPr lang="en-US" sz="1200" dirty="0" smtClean="0">
+              <a:rPr lang="en-US" sz="1200" dirty="0">
                 <a:latin typeface="Arial" panose="020B0604020202020204" pitchFamily="34" charset="0"/>
                 <a:cs typeface="Arial" panose="020B0604020202020204" pitchFamily="34" charset="0"/>
               </a:rPr>
               <a:t>=214)</a:t>
             </a:r>
-            <a:endParaRPr lang="en-US" sz="1200" dirty="0">
-              <a:latin typeface="Arial" panose="020B0604020202020204" pitchFamily="34" charset="0"/>
-              <a:cs typeface="Arial" panose="020B0604020202020204" pitchFamily="34" charset="0"/>
-            </a:endParaRPr>
           </a:p>
         </p:txBody>
       </p:sp>
@@ -3129,71 +3104,67 @@
           <a:p>
             <a:pPr algn="ctr"/>
             <a:r>
-              <a:rPr lang="en-US" sz="1200" b="1" dirty="0" smtClean="0">
+              <a:rPr lang="en-US" sz="1200" b="1" dirty="0">
                 <a:latin typeface="Arial" panose="020B0604020202020204" pitchFamily="34" charset="0"/>
                 <a:cs typeface="Arial" panose="020B0604020202020204" pitchFamily="34" charset="0"/>
               </a:rPr>
               <a:t>CTL</a:t>
             </a:r>
             <a:r>
-              <a:rPr lang="en-US" sz="1200" dirty="0" smtClean="0">
+              <a:rPr lang="en-US" sz="1200" dirty="0">
                 <a:latin typeface="Arial" panose="020B0604020202020204" pitchFamily="34" charset="0"/>
                 <a:cs typeface="Arial" panose="020B0604020202020204" pitchFamily="34" charset="0"/>
               </a:rPr>
               <a:t>            </a:t>
             </a:r>
             <a:r>
-              <a:rPr lang="en-US" sz="1200" b="1" dirty="0" smtClean="0">
+              <a:rPr lang="en-US" sz="1200" b="1" dirty="0">
                 <a:latin typeface="Arial" panose="020B0604020202020204" pitchFamily="34" charset="0"/>
                 <a:cs typeface="Arial" panose="020B0604020202020204" pitchFamily="34" charset="0"/>
               </a:rPr>
               <a:t>SCZ</a:t>
             </a:r>
             <a:br>
-              <a:rPr lang="en-US" sz="1200" b="1" dirty="0" smtClean="0">
+              <a:rPr lang="en-US" sz="1200" b="1" dirty="0">
                 <a:latin typeface="Arial" panose="020B0604020202020204" pitchFamily="34" charset="0"/>
                 <a:cs typeface="Arial" panose="020B0604020202020204" pitchFamily="34" charset="0"/>
               </a:rPr>
             </a:br>
             <a:r>
-              <a:rPr lang="en-US" sz="1200" dirty="0" smtClean="0">
+              <a:rPr lang="en-US" sz="1200" dirty="0">
                 <a:latin typeface="Arial" panose="020B0604020202020204" pitchFamily="34" charset="0"/>
                 <a:cs typeface="Arial" panose="020B0604020202020204" pitchFamily="34" charset="0"/>
               </a:rPr>
               <a:t>(</a:t>
             </a:r>
             <a:r>
-              <a:rPr lang="en-US" sz="1200" i="1" dirty="0" smtClean="0">
+              <a:rPr lang="en-US" sz="1200" i="1" dirty="0">
                 <a:latin typeface="Arial" panose="020B0604020202020204" pitchFamily="34" charset="0"/>
                 <a:cs typeface="Arial" panose="020B0604020202020204" pitchFamily="34" charset="0"/>
               </a:rPr>
               <a:t>n</a:t>
             </a:r>
             <a:r>
-              <a:rPr lang="en-US" sz="1200" dirty="0" smtClean="0">
-                <a:latin typeface="Arial" panose="020B0604020202020204" pitchFamily="34" charset="0"/>
-                <a:cs typeface="Arial" panose="020B0604020202020204" pitchFamily="34" charset="0"/>
-              </a:rPr>
-              <a:t>=212)         (</a:t>
-            </a:r>
-            <a:r>
-              <a:rPr lang="en-US" sz="1200" i="1" dirty="0" smtClean="0">
+              <a:rPr lang="en-US" sz="1200" dirty="0">
+                <a:latin typeface="Arial" panose="020B0604020202020204" pitchFamily="34" charset="0"/>
+                <a:cs typeface="Arial" panose="020B0604020202020204" pitchFamily="34" charset="0"/>
+              </a:rPr>
+              <a:t>=212)       (</a:t>
+            </a:r>
+            <a:r>
+              <a:rPr lang="en-US" sz="1200" i="1" dirty="0">
                 <a:latin typeface="Arial" panose="020B0604020202020204" pitchFamily="34" charset="0"/>
                 <a:cs typeface="Arial" panose="020B0604020202020204" pitchFamily="34" charset="0"/>
               </a:rPr>
               <a:t>n</a:t>
             </a:r>
             <a:r>
-              <a:rPr lang="en-US" sz="1200" dirty="0" smtClean="0">
+              <a:rPr lang="en-US" sz="1200" dirty="0">
                 <a:latin typeface="Arial" panose="020B0604020202020204" pitchFamily="34" charset="0"/>
                 <a:cs typeface="Arial" panose="020B0604020202020204" pitchFamily="34" charset="0"/>
               </a:rPr>
               <a:t>=214)</a:t>
             </a:r>
-            <a:endParaRPr lang="en-US" sz="1200" dirty="0">
-              <a:latin typeface="Arial" panose="020B0604020202020204" pitchFamily="34" charset="0"/>
-              <a:cs typeface="Arial" panose="020B0604020202020204" pitchFamily="34" charset="0"/>
-            </a:endParaRPr>
           </a:p>
         </p:txBody>
       </p:sp>
@@ -3266,65 +3237,61 @@
           <a:lstStyle/>
           <a:p>
             <a:r>
-              <a:rPr lang="en-US" sz="1200" b="1" dirty="0" smtClean="0">
+              <a:rPr lang="en-US" sz="1200" b="1" dirty="0">
                 <a:latin typeface="Arial" panose="020B0604020202020204" pitchFamily="34" charset="0"/>
                 <a:cs typeface="Arial" panose="020B0604020202020204" pitchFamily="34" charset="0"/>
               </a:rPr>
               <a:t>CTL</a:t>
             </a:r>
             <a:r>
-              <a:rPr lang="en-US" sz="1200" dirty="0" smtClean="0">
+              <a:rPr lang="en-US" sz="1200" dirty="0">
                 <a:latin typeface="Arial" panose="020B0604020202020204" pitchFamily="34" charset="0"/>
                 <a:cs typeface="Arial" panose="020B0604020202020204" pitchFamily="34" charset="0"/>
               </a:rPr>
               <a:t> (</a:t>
             </a:r>
             <a:r>
-              <a:rPr lang="en-US" sz="1200" i="1" dirty="0" smtClean="0">
+              <a:rPr lang="en-US" sz="1200" i="1" dirty="0">
                 <a:latin typeface="Arial" panose="020B0604020202020204" pitchFamily="34" charset="0"/>
                 <a:cs typeface="Arial" panose="020B0604020202020204" pitchFamily="34" charset="0"/>
               </a:rPr>
               <a:t>n</a:t>
             </a:r>
             <a:r>
-              <a:rPr lang="en-US" sz="1200" dirty="0" smtClean="0">
+              <a:rPr lang="en-US" sz="1200" dirty="0">
                 <a:latin typeface="Arial" panose="020B0604020202020204" pitchFamily="34" charset="0"/>
                 <a:cs typeface="Arial" panose="020B0604020202020204" pitchFamily="34" charset="0"/>
               </a:rPr>
               <a:t>=266)                         </a:t>
             </a:r>
             <a:r>
-              <a:rPr lang="en-US" sz="1200" b="1" dirty="0" smtClean="0">
+              <a:rPr lang="en-US" sz="1200" b="1" dirty="0">
                 <a:latin typeface="Arial" panose="020B0604020202020204" pitchFamily="34" charset="0"/>
                 <a:cs typeface="Arial" panose="020B0604020202020204" pitchFamily="34" charset="0"/>
               </a:rPr>
               <a:t>SCZ</a:t>
             </a:r>
             <a:r>
-              <a:rPr lang="en-US" sz="1200" dirty="0" smtClean="0">
+              <a:rPr lang="en-US" sz="1200" dirty="0">
                 <a:latin typeface="Arial" panose="020B0604020202020204" pitchFamily="34" charset="0"/>
                 <a:cs typeface="Arial" panose="020B0604020202020204" pitchFamily="34" charset="0"/>
               </a:rPr>
               <a:t> (</a:t>
             </a:r>
             <a:r>
-              <a:rPr lang="en-US" sz="1200" i="1" dirty="0" smtClean="0">
+              <a:rPr lang="en-US" sz="1200" i="1" dirty="0">
                 <a:latin typeface="Arial" panose="020B0604020202020204" pitchFamily="34" charset="0"/>
                 <a:cs typeface="Arial" panose="020B0604020202020204" pitchFamily="34" charset="0"/>
               </a:rPr>
               <a:t>n</a:t>
             </a:r>
             <a:r>
-              <a:rPr lang="en-US" sz="1200" dirty="0" smtClean="0">
+              <a:rPr lang="en-US" sz="1200" dirty="0">
                 <a:latin typeface="Arial" panose="020B0604020202020204" pitchFamily="34" charset="0"/>
                 <a:cs typeface="Arial" panose="020B0604020202020204" pitchFamily="34" charset="0"/>
               </a:rPr>
               <a:t>=139)</a:t>
             </a:r>
-            <a:endParaRPr lang="en-US" sz="1200" dirty="0">
-              <a:latin typeface="Arial" panose="020B0604020202020204" pitchFamily="34" charset="0"/>
-              <a:cs typeface="Arial" panose="020B0604020202020204" pitchFamily="34" charset="0"/>
-            </a:endParaRPr>
           </a:p>
         </p:txBody>
       </p:sp>
@@ -3354,71 +3321,67 @@
           <a:p>
             <a:pPr algn="ctr"/>
             <a:r>
-              <a:rPr lang="en-US" sz="1200" b="1" dirty="0" smtClean="0">
+              <a:rPr lang="en-US" sz="1200" b="1" dirty="0">
                 <a:latin typeface="Arial" panose="020B0604020202020204" pitchFamily="34" charset="0"/>
                 <a:cs typeface="Arial" panose="020B0604020202020204" pitchFamily="34" charset="0"/>
               </a:rPr>
               <a:t>CTL</a:t>
             </a:r>
             <a:r>
-              <a:rPr lang="en-US" sz="1200" dirty="0" smtClean="0">
+              <a:rPr lang="en-US" sz="1200" dirty="0">
                 <a:latin typeface="Arial" panose="020B0604020202020204" pitchFamily="34" charset="0"/>
                 <a:cs typeface="Arial" panose="020B0604020202020204" pitchFamily="34" charset="0"/>
               </a:rPr>
               <a:t>            </a:t>
             </a:r>
             <a:r>
-              <a:rPr lang="en-US" sz="1200" b="1" dirty="0" smtClean="0">
+              <a:rPr lang="en-US" sz="1200" b="1" dirty="0">
                 <a:latin typeface="Arial" panose="020B0604020202020204" pitchFamily="34" charset="0"/>
                 <a:cs typeface="Arial" panose="020B0604020202020204" pitchFamily="34" charset="0"/>
               </a:rPr>
               <a:t>SCZ</a:t>
             </a:r>
             <a:br>
-              <a:rPr lang="en-US" sz="1200" b="1" dirty="0" smtClean="0">
+              <a:rPr lang="en-US" sz="1200" b="1" dirty="0">
                 <a:latin typeface="Arial" panose="020B0604020202020204" pitchFamily="34" charset="0"/>
                 <a:cs typeface="Arial" panose="020B0604020202020204" pitchFamily="34" charset="0"/>
               </a:rPr>
             </a:br>
             <a:r>
-              <a:rPr lang="en-US" sz="1200" dirty="0" smtClean="0">
+              <a:rPr lang="en-US" sz="1200" dirty="0">
                 <a:latin typeface="Arial" panose="020B0604020202020204" pitchFamily="34" charset="0"/>
                 <a:cs typeface="Arial" panose="020B0604020202020204" pitchFamily="34" charset="0"/>
               </a:rPr>
               <a:t>(</a:t>
             </a:r>
             <a:r>
-              <a:rPr lang="en-US" sz="1200" i="1" dirty="0" smtClean="0">
+              <a:rPr lang="en-US" sz="1200" i="1" dirty="0">
                 <a:latin typeface="Arial" panose="020B0604020202020204" pitchFamily="34" charset="0"/>
                 <a:cs typeface="Arial" panose="020B0604020202020204" pitchFamily="34" charset="0"/>
               </a:rPr>
               <a:t>n</a:t>
             </a:r>
             <a:r>
-              <a:rPr lang="en-US" sz="1200" dirty="0" smtClean="0">
-                <a:latin typeface="Arial" panose="020B0604020202020204" pitchFamily="34" charset="0"/>
-                <a:cs typeface="Arial" panose="020B0604020202020204" pitchFamily="34" charset="0"/>
-              </a:rPr>
-              <a:t>=266)         (</a:t>
-            </a:r>
-            <a:r>
-              <a:rPr lang="en-US" sz="1200" i="1" dirty="0" smtClean="0">
+              <a:rPr lang="en-US" sz="1200" dirty="0">
+                <a:latin typeface="Arial" panose="020B0604020202020204" pitchFamily="34" charset="0"/>
+                <a:cs typeface="Arial" panose="020B0604020202020204" pitchFamily="34" charset="0"/>
+              </a:rPr>
+              <a:t>=266)        (</a:t>
+            </a:r>
+            <a:r>
+              <a:rPr lang="en-US" sz="1200" i="1" dirty="0">
                 <a:latin typeface="Arial" panose="020B0604020202020204" pitchFamily="34" charset="0"/>
                 <a:cs typeface="Arial" panose="020B0604020202020204" pitchFamily="34" charset="0"/>
               </a:rPr>
               <a:t>n</a:t>
             </a:r>
             <a:r>
-              <a:rPr lang="en-US" sz="1200" dirty="0" smtClean="0">
+              <a:rPr lang="en-US" sz="1200" dirty="0">
                 <a:latin typeface="Arial" panose="020B0604020202020204" pitchFamily="34" charset="0"/>
                 <a:cs typeface="Arial" panose="020B0604020202020204" pitchFamily="34" charset="0"/>
               </a:rPr>
               <a:t>=139)</a:t>
             </a:r>
-            <a:endParaRPr lang="en-US" sz="1200" dirty="0">
-              <a:latin typeface="Arial" panose="020B0604020202020204" pitchFamily="34" charset="0"/>
-              <a:cs typeface="Arial" panose="020B0604020202020204" pitchFamily="34" charset="0"/>
-            </a:endParaRPr>
           </a:p>
         </p:txBody>
       </p:sp>
@@ -3431,7 +3394,7 @@
         <p:spPr>
           <a:xfrm>
             <a:off x="2007084" y="1312198"/>
-            <a:ext cx="370614" cy="2554545"/>
+            <a:ext cx="341760" cy="2554545"/>
           </a:xfrm>
           <a:prstGeom prst="rect">
             <a:avLst/>
@@ -3445,18 +3408,12 @@
           <a:lstStyle/>
           <a:p>
             <a:r>
-              <a:rPr lang="en-US" sz="2000" b="1" dirty="0" smtClean="0">
-                <a:latin typeface="Arial" panose="020B0604020202020204" pitchFamily="34" charset="0"/>
-                <a:cs typeface="Arial" panose="020B0604020202020204" pitchFamily="34" charset="0"/>
-              </a:rPr>
-              <a:t>A</a:t>
-            </a:r>
-          </a:p>
-          <a:p>
-            <a:endParaRPr lang="en-US" sz="2000" b="1" dirty="0" smtClean="0">
-              <a:latin typeface="Arial" panose="020B0604020202020204" pitchFamily="34" charset="0"/>
-              <a:cs typeface="Arial" panose="020B0604020202020204" pitchFamily="34" charset="0"/>
-            </a:endParaRPr>
+              <a:rPr lang="en-US" sz="2000" b="1" dirty="0">
+                <a:latin typeface="Arial" panose="020B0604020202020204" pitchFamily="34" charset="0"/>
+                <a:cs typeface="Arial" panose="020B0604020202020204" pitchFamily="34" charset="0"/>
+              </a:rPr>
+              <a:t>a</a:t>
+            </a:r>
           </a:p>
           <a:p>
             <a:endParaRPr lang="en-US" sz="2000" b="1" dirty="0">
@@ -3465,41 +3422,43 @@
             </a:endParaRPr>
           </a:p>
           <a:p>
-            <a:endParaRPr lang="en-US" sz="2000" b="1" dirty="0" smtClean="0">
-              <a:latin typeface="Arial" panose="020B0604020202020204" pitchFamily="34" charset="0"/>
-              <a:cs typeface="Arial" panose="020B0604020202020204" pitchFamily="34" charset="0"/>
-            </a:endParaRPr>
-          </a:p>
-          <a:p>
             <a:endParaRPr lang="en-US" sz="2000" b="1" dirty="0">
               <a:latin typeface="Arial" panose="020B0604020202020204" pitchFamily="34" charset="0"/>
               <a:cs typeface="Arial" panose="020B0604020202020204" pitchFamily="34" charset="0"/>
             </a:endParaRPr>
           </a:p>
           <a:p>
-            <a:endParaRPr lang="en-US" sz="2000" b="1" dirty="0" smtClean="0">
-              <a:latin typeface="Arial" panose="020B0604020202020204" pitchFamily="34" charset="0"/>
-              <a:cs typeface="Arial" panose="020B0604020202020204" pitchFamily="34" charset="0"/>
-            </a:endParaRPr>
-          </a:p>
-          <a:p>
-            <a:endParaRPr lang="en-US" sz="2000" b="1" dirty="0" smtClean="0">
-              <a:latin typeface="Arial" panose="020B0604020202020204" pitchFamily="34" charset="0"/>
-              <a:cs typeface="Arial" panose="020B0604020202020204" pitchFamily="34" charset="0"/>
-            </a:endParaRPr>
-          </a:p>
-          <a:p>
-            <a:r>
-              <a:rPr lang="en-US" sz="2000" b="1" dirty="0" smtClean="0">
-                <a:latin typeface="Arial" panose="020B0604020202020204" pitchFamily="34" charset="0"/>
-                <a:cs typeface="Arial" panose="020B0604020202020204" pitchFamily="34" charset="0"/>
-              </a:rPr>
-              <a:t>B</a:t>
-            </a:r>
             <a:endParaRPr lang="en-US" sz="2000" b="1" dirty="0">
               <a:latin typeface="Arial" panose="020B0604020202020204" pitchFamily="34" charset="0"/>
               <a:cs typeface="Arial" panose="020B0604020202020204" pitchFamily="34" charset="0"/>
             </a:endParaRPr>
+          </a:p>
+          <a:p>
+            <a:endParaRPr lang="en-US" sz="2000" b="1" dirty="0">
+              <a:latin typeface="Arial" panose="020B0604020202020204" pitchFamily="34" charset="0"/>
+              <a:cs typeface="Arial" panose="020B0604020202020204" pitchFamily="34" charset="0"/>
+            </a:endParaRPr>
+          </a:p>
+          <a:p>
+            <a:endParaRPr lang="en-US" sz="2000" b="1" dirty="0">
+              <a:latin typeface="Arial" panose="020B0604020202020204" pitchFamily="34" charset="0"/>
+              <a:cs typeface="Arial" panose="020B0604020202020204" pitchFamily="34" charset="0"/>
+            </a:endParaRPr>
+          </a:p>
+          <a:p>
+            <a:endParaRPr lang="en-US" sz="2000" b="1" dirty="0">
+              <a:latin typeface="Arial" panose="020B0604020202020204" pitchFamily="34" charset="0"/>
+              <a:cs typeface="Arial" panose="020B0604020202020204" pitchFamily="34" charset="0"/>
+            </a:endParaRPr>
+          </a:p>
+          <a:p>
+            <a:r>
+              <a:rPr lang="en-US" sz="2000" b="1" dirty="0">
+                <a:latin typeface="Arial" panose="020B0604020202020204" pitchFamily="34" charset="0"/>
+                <a:cs typeface="Arial" panose="020B0604020202020204" pitchFamily="34" charset="0"/>
+              </a:rPr>
+              <a:t>b</a:t>
+            </a:r>
           </a:p>
         </p:txBody>
       </p:sp>
@@ -3602,65 +3561,61 @@
           <a:lstStyle/>
           <a:p>
             <a:r>
-              <a:rPr lang="en-US" sz="1200" b="1" dirty="0" smtClean="0">
+              <a:rPr lang="en-US" sz="1200" b="1" dirty="0">
                 <a:latin typeface="Arial" panose="020B0604020202020204" pitchFamily="34" charset="0"/>
                 <a:cs typeface="Arial" panose="020B0604020202020204" pitchFamily="34" charset="0"/>
               </a:rPr>
               <a:t>CTL</a:t>
             </a:r>
             <a:r>
-              <a:rPr lang="en-US" sz="1200" dirty="0" smtClean="0">
+              <a:rPr lang="en-US" sz="1200" dirty="0">
                 <a:latin typeface="Arial" panose="020B0604020202020204" pitchFamily="34" charset="0"/>
                 <a:cs typeface="Arial" panose="020B0604020202020204" pitchFamily="34" charset="0"/>
               </a:rPr>
               <a:t> (</a:t>
             </a:r>
             <a:r>
-              <a:rPr lang="en-US" sz="1200" i="1" dirty="0" smtClean="0">
+              <a:rPr lang="en-US" sz="1200" i="1" dirty="0">
                 <a:latin typeface="Arial" panose="020B0604020202020204" pitchFamily="34" charset="0"/>
                 <a:cs typeface="Arial" panose="020B0604020202020204" pitchFamily="34" charset="0"/>
               </a:rPr>
               <a:t>n</a:t>
             </a:r>
             <a:r>
-              <a:rPr lang="en-US" sz="1200" dirty="0" smtClean="0">
+              <a:rPr lang="en-US" sz="1200" dirty="0">
                 <a:latin typeface="Arial" panose="020B0604020202020204" pitchFamily="34" charset="0"/>
                 <a:cs typeface="Arial" panose="020B0604020202020204" pitchFamily="34" charset="0"/>
               </a:rPr>
               <a:t>=212)                         </a:t>
             </a:r>
             <a:r>
-              <a:rPr lang="en-US" sz="1200" b="1" dirty="0" smtClean="0">
+              <a:rPr lang="en-US" sz="1200" b="1" dirty="0">
                 <a:latin typeface="Arial" panose="020B0604020202020204" pitchFamily="34" charset="0"/>
                 <a:cs typeface="Arial" panose="020B0604020202020204" pitchFamily="34" charset="0"/>
               </a:rPr>
               <a:t>SCZ</a:t>
             </a:r>
             <a:r>
-              <a:rPr lang="en-US" sz="1200" dirty="0" smtClean="0">
+              <a:rPr lang="en-US" sz="1200" dirty="0">
                 <a:latin typeface="Arial" panose="020B0604020202020204" pitchFamily="34" charset="0"/>
                 <a:cs typeface="Arial" panose="020B0604020202020204" pitchFamily="34" charset="0"/>
               </a:rPr>
               <a:t> (</a:t>
             </a:r>
             <a:r>
-              <a:rPr lang="en-US" sz="1200" i="1" dirty="0" smtClean="0">
+              <a:rPr lang="en-US" sz="1200" i="1" dirty="0">
                 <a:latin typeface="Arial" panose="020B0604020202020204" pitchFamily="34" charset="0"/>
                 <a:cs typeface="Arial" panose="020B0604020202020204" pitchFamily="34" charset="0"/>
               </a:rPr>
               <a:t>n</a:t>
             </a:r>
             <a:r>
-              <a:rPr lang="en-US" sz="1200" dirty="0" smtClean="0">
+              <a:rPr lang="en-US" sz="1200" dirty="0">
                 <a:latin typeface="Arial" panose="020B0604020202020204" pitchFamily="34" charset="0"/>
                 <a:cs typeface="Arial" panose="020B0604020202020204" pitchFamily="34" charset="0"/>
               </a:rPr>
               <a:t>=214)</a:t>
             </a:r>
-            <a:endParaRPr lang="en-US" sz="1200" dirty="0">
-              <a:latin typeface="Arial" panose="020B0604020202020204" pitchFamily="34" charset="0"/>
-              <a:cs typeface="Arial" panose="020B0604020202020204" pitchFamily="34" charset="0"/>
-            </a:endParaRPr>
           </a:p>
         </p:txBody>
       </p:sp>
@@ -3690,71 +3645,67 @@
           <a:p>
             <a:pPr algn="ctr"/>
             <a:r>
-              <a:rPr lang="en-US" sz="1200" b="1" dirty="0" smtClean="0">
+              <a:rPr lang="en-US" sz="1200" b="1" dirty="0">
                 <a:latin typeface="Arial" panose="020B0604020202020204" pitchFamily="34" charset="0"/>
                 <a:cs typeface="Arial" panose="020B0604020202020204" pitchFamily="34" charset="0"/>
               </a:rPr>
               <a:t>CTL</a:t>
             </a:r>
             <a:r>
-              <a:rPr lang="en-US" sz="1200" dirty="0" smtClean="0">
+              <a:rPr lang="en-US" sz="1200" dirty="0">
                 <a:latin typeface="Arial" panose="020B0604020202020204" pitchFamily="34" charset="0"/>
                 <a:cs typeface="Arial" panose="020B0604020202020204" pitchFamily="34" charset="0"/>
               </a:rPr>
               <a:t>            </a:t>
             </a:r>
             <a:r>
-              <a:rPr lang="en-US" sz="1200" b="1" dirty="0" smtClean="0">
+              <a:rPr lang="en-US" sz="1200" b="1" dirty="0">
                 <a:latin typeface="Arial" panose="020B0604020202020204" pitchFamily="34" charset="0"/>
                 <a:cs typeface="Arial" panose="020B0604020202020204" pitchFamily="34" charset="0"/>
               </a:rPr>
               <a:t>SCZ</a:t>
             </a:r>
             <a:br>
-              <a:rPr lang="en-US" sz="1200" b="1" dirty="0" smtClean="0">
+              <a:rPr lang="en-US" sz="1200" b="1" dirty="0">
                 <a:latin typeface="Arial" panose="020B0604020202020204" pitchFamily="34" charset="0"/>
                 <a:cs typeface="Arial" panose="020B0604020202020204" pitchFamily="34" charset="0"/>
               </a:rPr>
             </a:br>
             <a:r>
-              <a:rPr lang="en-US" sz="1200" dirty="0" smtClean="0">
+              <a:rPr lang="en-US" sz="1200" dirty="0">
                 <a:latin typeface="Arial" panose="020B0604020202020204" pitchFamily="34" charset="0"/>
                 <a:cs typeface="Arial" panose="020B0604020202020204" pitchFamily="34" charset="0"/>
               </a:rPr>
               <a:t>(</a:t>
             </a:r>
             <a:r>
-              <a:rPr lang="en-US" sz="1200" i="1" dirty="0" smtClean="0">
+              <a:rPr lang="en-US" sz="1200" i="1" dirty="0">
                 <a:latin typeface="Arial" panose="020B0604020202020204" pitchFamily="34" charset="0"/>
                 <a:cs typeface="Arial" panose="020B0604020202020204" pitchFamily="34" charset="0"/>
               </a:rPr>
               <a:t>n</a:t>
             </a:r>
             <a:r>
-              <a:rPr lang="en-US" sz="1200" dirty="0" smtClean="0">
+              <a:rPr lang="en-US" sz="1200" dirty="0">
                 <a:latin typeface="Arial" panose="020B0604020202020204" pitchFamily="34" charset="0"/>
                 <a:cs typeface="Arial" panose="020B0604020202020204" pitchFamily="34" charset="0"/>
               </a:rPr>
               <a:t>=212)         (</a:t>
             </a:r>
             <a:r>
-              <a:rPr lang="en-US" sz="1200" i="1" dirty="0" smtClean="0">
+              <a:rPr lang="en-US" sz="1200" i="1" dirty="0">
                 <a:latin typeface="Arial" panose="020B0604020202020204" pitchFamily="34" charset="0"/>
                 <a:cs typeface="Arial" panose="020B0604020202020204" pitchFamily="34" charset="0"/>
               </a:rPr>
               <a:t>n</a:t>
             </a:r>
             <a:r>
-              <a:rPr lang="en-US" sz="1200" dirty="0" smtClean="0">
+              <a:rPr lang="en-US" sz="1200" dirty="0">
                 <a:latin typeface="Arial" panose="020B0604020202020204" pitchFamily="34" charset="0"/>
                 <a:cs typeface="Arial" panose="020B0604020202020204" pitchFamily="34" charset="0"/>
               </a:rPr>
               <a:t>=214)</a:t>
             </a:r>
-            <a:endParaRPr lang="en-US" sz="1200" dirty="0">
-              <a:latin typeface="Arial" panose="020B0604020202020204" pitchFamily="34" charset="0"/>
-              <a:cs typeface="Arial" panose="020B0604020202020204" pitchFamily="34" charset="0"/>
-            </a:endParaRPr>
           </a:p>
         </p:txBody>
       </p:sp>
@@ -3827,65 +3778,61 @@
           <a:lstStyle/>
           <a:p>
             <a:r>
-              <a:rPr lang="en-US" sz="1200" b="1" dirty="0" smtClean="0">
+              <a:rPr lang="en-US" sz="1200" b="1" dirty="0">
                 <a:latin typeface="Arial" panose="020B0604020202020204" pitchFamily="34" charset="0"/>
                 <a:cs typeface="Arial" panose="020B0604020202020204" pitchFamily="34" charset="0"/>
               </a:rPr>
               <a:t>CTL</a:t>
             </a:r>
             <a:r>
-              <a:rPr lang="en-US" sz="1200" dirty="0" smtClean="0">
+              <a:rPr lang="en-US" sz="1200" dirty="0">
                 <a:latin typeface="Arial" panose="020B0604020202020204" pitchFamily="34" charset="0"/>
                 <a:cs typeface="Arial" panose="020B0604020202020204" pitchFamily="34" charset="0"/>
               </a:rPr>
               <a:t> (</a:t>
             </a:r>
             <a:r>
-              <a:rPr lang="en-US" sz="1200" i="1" dirty="0" smtClean="0">
+              <a:rPr lang="en-US" sz="1200" i="1" dirty="0">
                 <a:latin typeface="Arial" panose="020B0604020202020204" pitchFamily="34" charset="0"/>
                 <a:cs typeface="Arial" panose="020B0604020202020204" pitchFamily="34" charset="0"/>
               </a:rPr>
               <a:t>n</a:t>
             </a:r>
             <a:r>
-              <a:rPr lang="en-US" sz="1200" dirty="0" smtClean="0">
+              <a:rPr lang="en-US" sz="1200" dirty="0">
                 <a:latin typeface="Arial" panose="020B0604020202020204" pitchFamily="34" charset="0"/>
                 <a:cs typeface="Arial" panose="020B0604020202020204" pitchFamily="34" charset="0"/>
               </a:rPr>
               <a:t>=307)                         </a:t>
             </a:r>
             <a:r>
-              <a:rPr lang="en-US" sz="1200" b="1" dirty="0" smtClean="0">
+              <a:rPr lang="en-US" sz="1200" b="1" dirty="0">
                 <a:latin typeface="Arial" panose="020B0604020202020204" pitchFamily="34" charset="0"/>
                 <a:cs typeface="Arial" panose="020B0604020202020204" pitchFamily="34" charset="0"/>
               </a:rPr>
               <a:t>SCZ</a:t>
             </a:r>
             <a:r>
-              <a:rPr lang="en-US" sz="1200" dirty="0" smtClean="0">
+              <a:rPr lang="en-US" sz="1200" dirty="0">
                 <a:latin typeface="Arial" panose="020B0604020202020204" pitchFamily="34" charset="0"/>
                 <a:cs typeface="Arial" panose="020B0604020202020204" pitchFamily="34" charset="0"/>
               </a:rPr>
               <a:t> (</a:t>
             </a:r>
             <a:r>
-              <a:rPr lang="en-US" sz="1200" i="1" dirty="0" smtClean="0">
+              <a:rPr lang="en-US" sz="1200" i="1" dirty="0">
                 <a:latin typeface="Arial" panose="020B0604020202020204" pitchFamily="34" charset="0"/>
                 <a:cs typeface="Arial" panose="020B0604020202020204" pitchFamily="34" charset="0"/>
               </a:rPr>
               <a:t>n</a:t>
             </a:r>
             <a:r>
-              <a:rPr lang="en-US" sz="1200" dirty="0" smtClean="0">
+              <a:rPr lang="en-US" sz="1200" dirty="0">
                 <a:latin typeface="Arial" panose="020B0604020202020204" pitchFamily="34" charset="0"/>
                 <a:cs typeface="Arial" panose="020B0604020202020204" pitchFamily="34" charset="0"/>
               </a:rPr>
               <a:t>=174)</a:t>
             </a:r>
-            <a:endParaRPr lang="en-US" sz="1200" dirty="0">
-              <a:latin typeface="Arial" panose="020B0604020202020204" pitchFamily="34" charset="0"/>
-              <a:cs typeface="Arial" panose="020B0604020202020204" pitchFamily="34" charset="0"/>
-            </a:endParaRPr>
           </a:p>
         </p:txBody>
       </p:sp>
@@ -3915,71 +3862,67 @@
           <a:p>
             <a:pPr algn="ctr"/>
             <a:r>
-              <a:rPr lang="en-US" sz="1200" b="1" dirty="0" smtClean="0">
+              <a:rPr lang="en-US" sz="1200" b="1" dirty="0">
                 <a:latin typeface="Arial" panose="020B0604020202020204" pitchFamily="34" charset="0"/>
                 <a:cs typeface="Arial" panose="020B0604020202020204" pitchFamily="34" charset="0"/>
               </a:rPr>
               <a:t>CTL</a:t>
             </a:r>
             <a:r>
-              <a:rPr lang="en-US" sz="1200" dirty="0" smtClean="0">
+              <a:rPr lang="en-US" sz="1200" dirty="0">
                 <a:latin typeface="Arial" panose="020B0604020202020204" pitchFamily="34" charset="0"/>
                 <a:cs typeface="Arial" panose="020B0604020202020204" pitchFamily="34" charset="0"/>
               </a:rPr>
               <a:t>            </a:t>
             </a:r>
             <a:r>
-              <a:rPr lang="en-US" sz="1200" b="1" dirty="0" smtClean="0">
+              <a:rPr lang="en-US" sz="1200" b="1" dirty="0">
                 <a:latin typeface="Arial" panose="020B0604020202020204" pitchFamily="34" charset="0"/>
                 <a:cs typeface="Arial" panose="020B0604020202020204" pitchFamily="34" charset="0"/>
               </a:rPr>
               <a:t>SCZ</a:t>
             </a:r>
             <a:br>
-              <a:rPr lang="en-US" sz="1200" b="1" dirty="0" smtClean="0">
+              <a:rPr lang="en-US" sz="1200" b="1" dirty="0">
                 <a:latin typeface="Arial" panose="020B0604020202020204" pitchFamily="34" charset="0"/>
                 <a:cs typeface="Arial" panose="020B0604020202020204" pitchFamily="34" charset="0"/>
               </a:rPr>
             </a:br>
             <a:r>
-              <a:rPr lang="en-US" sz="1200" dirty="0" smtClean="0">
+              <a:rPr lang="en-US" sz="1200" dirty="0">
                 <a:latin typeface="Arial" panose="020B0604020202020204" pitchFamily="34" charset="0"/>
                 <a:cs typeface="Arial" panose="020B0604020202020204" pitchFamily="34" charset="0"/>
               </a:rPr>
               <a:t>(</a:t>
             </a:r>
             <a:r>
-              <a:rPr lang="en-US" sz="1200" i="1" dirty="0" smtClean="0">
+              <a:rPr lang="en-US" sz="1200" i="1" dirty="0">
                 <a:latin typeface="Arial" panose="020B0604020202020204" pitchFamily="34" charset="0"/>
                 <a:cs typeface="Arial" panose="020B0604020202020204" pitchFamily="34" charset="0"/>
               </a:rPr>
               <a:t>n</a:t>
             </a:r>
             <a:r>
-              <a:rPr lang="en-US" sz="1200" dirty="0" smtClean="0">
+              <a:rPr lang="en-US" sz="1200" dirty="0">
                 <a:latin typeface="Arial" panose="020B0604020202020204" pitchFamily="34" charset="0"/>
                 <a:cs typeface="Arial" panose="020B0604020202020204" pitchFamily="34" charset="0"/>
               </a:rPr>
               <a:t>=307)         (</a:t>
             </a:r>
             <a:r>
-              <a:rPr lang="en-US" sz="1200" i="1" dirty="0" smtClean="0">
+              <a:rPr lang="en-US" sz="1200" i="1" dirty="0">
                 <a:latin typeface="Arial" panose="020B0604020202020204" pitchFamily="34" charset="0"/>
                 <a:cs typeface="Arial" panose="020B0604020202020204" pitchFamily="34" charset="0"/>
               </a:rPr>
               <a:t>n</a:t>
             </a:r>
             <a:r>
-              <a:rPr lang="en-US" sz="1200" dirty="0" smtClean="0">
+              <a:rPr lang="en-US" sz="1200" dirty="0">
                 <a:latin typeface="Arial" panose="020B0604020202020204" pitchFamily="34" charset="0"/>
                 <a:cs typeface="Arial" panose="020B0604020202020204" pitchFamily="34" charset="0"/>
               </a:rPr>
               <a:t>=174)</a:t>
             </a:r>
-            <a:endParaRPr lang="en-US" sz="1200" dirty="0">
-              <a:latin typeface="Arial" panose="020B0604020202020204" pitchFamily="34" charset="0"/>
-              <a:cs typeface="Arial" panose="020B0604020202020204" pitchFamily="34" charset="0"/>
-            </a:endParaRPr>
           </a:p>
         </p:txBody>
       </p:sp>
@@ -4052,65 +3995,61 @@
           <a:lstStyle/>
           <a:p>
             <a:r>
-              <a:rPr lang="en-US" sz="1200" b="1" dirty="0" smtClean="0">
+              <a:rPr lang="en-US" sz="1200" b="1" dirty="0">
                 <a:latin typeface="Arial" panose="020B0604020202020204" pitchFamily="34" charset="0"/>
                 <a:cs typeface="Arial" panose="020B0604020202020204" pitchFamily="34" charset="0"/>
               </a:rPr>
               <a:t>CTL</a:t>
             </a:r>
             <a:r>
-              <a:rPr lang="en-US" sz="1200" dirty="0" smtClean="0">
+              <a:rPr lang="en-US" sz="1200" dirty="0">
                 <a:latin typeface="Arial" panose="020B0604020202020204" pitchFamily="34" charset="0"/>
                 <a:cs typeface="Arial" panose="020B0604020202020204" pitchFamily="34" charset="0"/>
               </a:rPr>
               <a:t> (</a:t>
             </a:r>
             <a:r>
-              <a:rPr lang="en-US" sz="1200" i="1" dirty="0" smtClean="0">
+              <a:rPr lang="en-US" sz="1200" i="1" dirty="0">
                 <a:latin typeface="Arial" panose="020B0604020202020204" pitchFamily="34" charset="0"/>
                 <a:cs typeface="Arial" panose="020B0604020202020204" pitchFamily="34" charset="0"/>
               </a:rPr>
               <a:t>n</a:t>
             </a:r>
             <a:r>
-              <a:rPr lang="en-US" sz="1200" dirty="0" smtClean="0">
+              <a:rPr lang="en-US" sz="1200" dirty="0">
                 <a:latin typeface="Arial" panose="020B0604020202020204" pitchFamily="34" charset="0"/>
                 <a:cs typeface="Arial" panose="020B0604020202020204" pitchFamily="34" charset="0"/>
               </a:rPr>
               <a:t>=266)                         </a:t>
             </a:r>
             <a:r>
-              <a:rPr lang="en-US" sz="1200" b="1" dirty="0" smtClean="0">
+              <a:rPr lang="en-US" sz="1200" b="1" dirty="0">
                 <a:latin typeface="Arial" panose="020B0604020202020204" pitchFamily="34" charset="0"/>
                 <a:cs typeface="Arial" panose="020B0604020202020204" pitchFamily="34" charset="0"/>
               </a:rPr>
               <a:t>SCZ</a:t>
             </a:r>
             <a:r>
-              <a:rPr lang="en-US" sz="1200" dirty="0" smtClean="0">
+              <a:rPr lang="en-US" sz="1200" dirty="0">
                 <a:latin typeface="Arial" panose="020B0604020202020204" pitchFamily="34" charset="0"/>
                 <a:cs typeface="Arial" panose="020B0604020202020204" pitchFamily="34" charset="0"/>
               </a:rPr>
               <a:t> (</a:t>
             </a:r>
             <a:r>
-              <a:rPr lang="en-US" sz="1200" i="1" dirty="0" smtClean="0">
+              <a:rPr lang="en-US" sz="1200" i="1" dirty="0">
                 <a:latin typeface="Arial" panose="020B0604020202020204" pitchFamily="34" charset="0"/>
                 <a:cs typeface="Arial" panose="020B0604020202020204" pitchFamily="34" charset="0"/>
               </a:rPr>
               <a:t>n</a:t>
             </a:r>
             <a:r>
-              <a:rPr lang="en-US" sz="1200" dirty="0" smtClean="0">
+              <a:rPr lang="en-US" sz="1200" dirty="0">
                 <a:latin typeface="Arial" panose="020B0604020202020204" pitchFamily="34" charset="0"/>
                 <a:cs typeface="Arial" panose="020B0604020202020204" pitchFamily="34" charset="0"/>
               </a:rPr>
               <a:t>=139)</a:t>
             </a:r>
-            <a:endParaRPr lang="en-US" sz="1200" dirty="0">
-              <a:latin typeface="Arial" panose="020B0604020202020204" pitchFamily="34" charset="0"/>
-              <a:cs typeface="Arial" panose="020B0604020202020204" pitchFamily="34" charset="0"/>
-            </a:endParaRPr>
           </a:p>
         </p:txBody>
       </p:sp>
@@ -4140,71 +4079,67 @@
           <a:p>
             <a:pPr algn="ctr"/>
             <a:r>
-              <a:rPr lang="en-US" sz="1200" b="1" dirty="0" smtClean="0">
+              <a:rPr lang="en-US" sz="1200" b="1" dirty="0">
                 <a:latin typeface="Arial" panose="020B0604020202020204" pitchFamily="34" charset="0"/>
                 <a:cs typeface="Arial" panose="020B0604020202020204" pitchFamily="34" charset="0"/>
               </a:rPr>
               <a:t>CTL</a:t>
             </a:r>
             <a:r>
-              <a:rPr lang="en-US" sz="1200" dirty="0" smtClean="0">
+              <a:rPr lang="en-US" sz="1200" dirty="0">
                 <a:latin typeface="Arial" panose="020B0604020202020204" pitchFamily="34" charset="0"/>
                 <a:cs typeface="Arial" panose="020B0604020202020204" pitchFamily="34" charset="0"/>
               </a:rPr>
               <a:t>            </a:t>
             </a:r>
             <a:r>
-              <a:rPr lang="en-US" sz="1200" b="1" dirty="0" smtClean="0">
+              <a:rPr lang="en-US" sz="1200" b="1" dirty="0">
                 <a:latin typeface="Arial" panose="020B0604020202020204" pitchFamily="34" charset="0"/>
                 <a:cs typeface="Arial" panose="020B0604020202020204" pitchFamily="34" charset="0"/>
               </a:rPr>
               <a:t>SCZ</a:t>
             </a:r>
             <a:br>
-              <a:rPr lang="en-US" sz="1200" b="1" dirty="0" smtClean="0">
+              <a:rPr lang="en-US" sz="1200" b="1" dirty="0">
                 <a:latin typeface="Arial" panose="020B0604020202020204" pitchFamily="34" charset="0"/>
                 <a:cs typeface="Arial" panose="020B0604020202020204" pitchFamily="34" charset="0"/>
               </a:rPr>
             </a:br>
             <a:r>
-              <a:rPr lang="en-US" sz="1200" dirty="0" smtClean="0">
+              <a:rPr lang="en-US" sz="1200" dirty="0">
                 <a:latin typeface="Arial" panose="020B0604020202020204" pitchFamily="34" charset="0"/>
                 <a:cs typeface="Arial" panose="020B0604020202020204" pitchFamily="34" charset="0"/>
               </a:rPr>
               <a:t>(</a:t>
             </a:r>
             <a:r>
-              <a:rPr lang="en-US" sz="1200" i="1" dirty="0" smtClean="0">
+              <a:rPr lang="en-US" sz="1200" i="1" dirty="0">
                 <a:latin typeface="Arial" panose="020B0604020202020204" pitchFamily="34" charset="0"/>
                 <a:cs typeface="Arial" panose="020B0604020202020204" pitchFamily="34" charset="0"/>
               </a:rPr>
               <a:t>n</a:t>
             </a:r>
             <a:r>
-              <a:rPr lang="en-US" sz="1200" dirty="0" smtClean="0">
+              <a:rPr lang="en-US" sz="1200" dirty="0">
                 <a:latin typeface="Arial" panose="020B0604020202020204" pitchFamily="34" charset="0"/>
                 <a:cs typeface="Arial" panose="020B0604020202020204" pitchFamily="34" charset="0"/>
               </a:rPr>
               <a:t>=266)         (</a:t>
             </a:r>
             <a:r>
-              <a:rPr lang="en-US" sz="1200" i="1" dirty="0" smtClean="0">
+              <a:rPr lang="en-US" sz="1200" i="1" dirty="0">
                 <a:latin typeface="Arial" panose="020B0604020202020204" pitchFamily="34" charset="0"/>
                 <a:cs typeface="Arial" panose="020B0604020202020204" pitchFamily="34" charset="0"/>
               </a:rPr>
               <a:t>n</a:t>
             </a:r>
             <a:r>
-              <a:rPr lang="en-US" sz="1200" dirty="0" smtClean="0">
+              <a:rPr lang="en-US" sz="1200" dirty="0">
                 <a:latin typeface="Arial" panose="020B0604020202020204" pitchFamily="34" charset="0"/>
                 <a:cs typeface="Arial" panose="020B0604020202020204" pitchFamily="34" charset="0"/>
               </a:rPr>
               <a:t>=139)</a:t>
             </a:r>
-            <a:endParaRPr lang="en-US" sz="1200" dirty="0">
-              <a:latin typeface="Arial" panose="020B0604020202020204" pitchFamily="34" charset="0"/>
-              <a:cs typeface="Arial" panose="020B0604020202020204" pitchFamily="34" charset="0"/>
-            </a:endParaRPr>
           </a:p>
         </p:txBody>
       </p:sp>
@@ -4231,18 +4166,12 @@
           <a:lstStyle/>
           <a:p>
             <a:r>
-              <a:rPr lang="en-US" sz="2000" b="1" dirty="0" smtClean="0">
+              <a:rPr lang="en-US" sz="2000" b="1" dirty="0">
                 <a:latin typeface="Arial" panose="020B0604020202020204" pitchFamily="34" charset="0"/>
                 <a:cs typeface="Arial" panose="020B0604020202020204" pitchFamily="34" charset="0"/>
               </a:rPr>
               <a:t>A</a:t>
             </a:r>
-          </a:p>
-          <a:p>
-            <a:endParaRPr lang="en-US" sz="2000" b="1" dirty="0" smtClean="0">
-              <a:latin typeface="Arial" panose="020B0604020202020204" pitchFamily="34" charset="0"/>
-              <a:cs typeface="Arial" panose="020B0604020202020204" pitchFamily="34" charset="0"/>
-            </a:endParaRPr>
           </a:p>
           <a:p>
             <a:endParaRPr lang="en-US" sz="2000" b="1" dirty="0">
@@ -4251,103 +4180,94 @@
             </a:endParaRPr>
           </a:p>
           <a:p>
-            <a:endParaRPr lang="en-US" sz="2000" b="1" dirty="0" smtClean="0">
-              <a:latin typeface="Arial" panose="020B0604020202020204" pitchFamily="34" charset="0"/>
-              <a:cs typeface="Arial" panose="020B0604020202020204" pitchFamily="34" charset="0"/>
-            </a:endParaRPr>
-          </a:p>
-          <a:p>
             <a:endParaRPr lang="en-US" sz="2000" b="1" dirty="0">
               <a:latin typeface="Arial" panose="020B0604020202020204" pitchFamily="34" charset="0"/>
               <a:cs typeface="Arial" panose="020B0604020202020204" pitchFamily="34" charset="0"/>
             </a:endParaRPr>
           </a:p>
           <a:p>
-            <a:endParaRPr lang="en-US" sz="2000" b="1" dirty="0" smtClean="0">
-              <a:latin typeface="Arial" panose="020B0604020202020204" pitchFamily="34" charset="0"/>
-              <a:cs typeface="Arial" panose="020B0604020202020204" pitchFamily="34" charset="0"/>
-            </a:endParaRPr>
-          </a:p>
-          <a:p>
-            <a:endParaRPr lang="en-US" sz="2000" b="1" dirty="0" smtClean="0">
-              <a:latin typeface="Arial" panose="020B0604020202020204" pitchFamily="34" charset="0"/>
-              <a:cs typeface="Arial" panose="020B0604020202020204" pitchFamily="34" charset="0"/>
-            </a:endParaRPr>
-          </a:p>
-          <a:p>
-            <a:r>
-              <a:rPr lang="en-US" sz="2000" b="1" dirty="0" smtClean="0">
-                <a:latin typeface="Arial" panose="020B0604020202020204" pitchFamily="34" charset="0"/>
-                <a:cs typeface="Arial" panose="020B0604020202020204" pitchFamily="34" charset="0"/>
-              </a:rPr>
-              <a:t>B</a:t>
-            </a:r>
             <a:endParaRPr lang="en-US" sz="2000" b="1" dirty="0">
               <a:latin typeface="Arial" panose="020B0604020202020204" pitchFamily="34" charset="0"/>
               <a:cs typeface="Arial" panose="020B0604020202020204" pitchFamily="34" charset="0"/>
             </a:endParaRPr>
           </a:p>
           <a:p>
-            <a:endParaRPr lang="en-US" sz="2000" b="1" dirty="0" smtClean="0">
-              <a:latin typeface="Arial" panose="020B0604020202020204" pitchFamily="34" charset="0"/>
-              <a:cs typeface="Arial" panose="020B0604020202020204" pitchFamily="34" charset="0"/>
-            </a:endParaRPr>
-          </a:p>
-          <a:p>
             <a:endParaRPr lang="en-US" sz="2000" b="1" dirty="0">
               <a:latin typeface="Arial" panose="020B0604020202020204" pitchFamily="34" charset="0"/>
               <a:cs typeface="Arial" panose="020B0604020202020204" pitchFamily="34" charset="0"/>
             </a:endParaRPr>
           </a:p>
           <a:p>
-            <a:endParaRPr lang="en-US" sz="1600" b="1" dirty="0" smtClean="0">
-              <a:latin typeface="Arial" panose="020B0604020202020204" pitchFamily="34" charset="0"/>
-              <a:cs typeface="Arial" panose="020B0604020202020204" pitchFamily="34" charset="0"/>
-            </a:endParaRPr>
-          </a:p>
-          <a:p>
-            <a:endParaRPr lang="en-US" sz="2000" b="1" dirty="0" smtClean="0">
-              <a:latin typeface="Arial" panose="020B0604020202020204" pitchFamily="34" charset="0"/>
-              <a:cs typeface="Arial" panose="020B0604020202020204" pitchFamily="34" charset="0"/>
-            </a:endParaRPr>
-          </a:p>
-          <a:p>
-            <a:endParaRPr lang="en-US" sz="2000" b="1" dirty="0" smtClean="0">
-              <a:latin typeface="Arial" panose="020B0604020202020204" pitchFamily="34" charset="0"/>
-              <a:cs typeface="Arial" panose="020B0604020202020204" pitchFamily="34" charset="0"/>
-            </a:endParaRPr>
-          </a:p>
-          <a:p>
-            <a:endParaRPr lang="en-US" sz="2000" b="1" dirty="0" smtClean="0">
-              <a:latin typeface="Arial" panose="020B0604020202020204" pitchFamily="34" charset="0"/>
-              <a:cs typeface="Arial" panose="020B0604020202020204" pitchFamily="34" charset="0"/>
-            </a:endParaRPr>
-          </a:p>
-          <a:p>
-            <a:r>
-              <a:rPr lang="en-US" sz="1050" b="1" dirty="0" smtClean="0">
-                <a:latin typeface="Arial" panose="020B0604020202020204" pitchFamily="34" charset="0"/>
-                <a:cs typeface="Arial" panose="020B0604020202020204" pitchFamily="34" charset="0"/>
-              </a:rPr>
-              <a:t/>
-            </a:r>
-            <a:br>
-              <a:rPr lang="en-US" sz="1050" b="1" dirty="0" smtClean="0">
-                <a:latin typeface="Arial" panose="020B0604020202020204" pitchFamily="34" charset="0"/>
-                <a:cs typeface="Arial" panose="020B0604020202020204" pitchFamily="34" charset="0"/>
-              </a:rPr>
-            </a:br>
-            <a:r>
-              <a:rPr lang="en-US" sz="2000" b="1" dirty="0" smtClean="0">
-                <a:latin typeface="Arial" panose="020B0604020202020204" pitchFamily="34" charset="0"/>
-                <a:cs typeface="Arial" panose="020B0604020202020204" pitchFamily="34" charset="0"/>
-              </a:rPr>
-              <a:t>C</a:t>
-            </a:r>
             <a:endParaRPr lang="en-US" sz="2000" b="1" dirty="0">
               <a:latin typeface="Arial" panose="020B0604020202020204" pitchFamily="34" charset="0"/>
               <a:cs typeface="Arial" panose="020B0604020202020204" pitchFamily="34" charset="0"/>
             </a:endParaRPr>
+          </a:p>
+          <a:p>
+            <a:endParaRPr lang="en-US" sz="2000" b="1" dirty="0">
+              <a:latin typeface="Arial" panose="020B0604020202020204" pitchFamily="34" charset="0"/>
+              <a:cs typeface="Arial" panose="020B0604020202020204" pitchFamily="34" charset="0"/>
+            </a:endParaRPr>
+          </a:p>
+          <a:p>
+            <a:r>
+              <a:rPr lang="en-US" sz="2000" b="1" dirty="0">
+                <a:latin typeface="Arial" panose="020B0604020202020204" pitchFamily="34" charset="0"/>
+                <a:cs typeface="Arial" panose="020B0604020202020204" pitchFamily="34" charset="0"/>
+              </a:rPr>
+              <a:t>B</a:t>
+            </a:r>
+          </a:p>
+          <a:p>
+            <a:endParaRPr lang="en-US" sz="2000" b="1" dirty="0">
+              <a:latin typeface="Arial" panose="020B0604020202020204" pitchFamily="34" charset="0"/>
+              <a:cs typeface="Arial" panose="020B0604020202020204" pitchFamily="34" charset="0"/>
+            </a:endParaRPr>
+          </a:p>
+          <a:p>
+            <a:endParaRPr lang="en-US" sz="2000" b="1" dirty="0">
+              <a:latin typeface="Arial" panose="020B0604020202020204" pitchFamily="34" charset="0"/>
+              <a:cs typeface="Arial" panose="020B0604020202020204" pitchFamily="34" charset="0"/>
+            </a:endParaRPr>
+          </a:p>
+          <a:p>
+            <a:endParaRPr lang="en-US" sz="1600" b="1" dirty="0">
+              <a:latin typeface="Arial" panose="020B0604020202020204" pitchFamily="34" charset="0"/>
+              <a:cs typeface="Arial" panose="020B0604020202020204" pitchFamily="34" charset="0"/>
+            </a:endParaRPr>
+          </a:p>
+          <a:p>
+            <a:endParaRPr lang="en-US" sz="2000" b="1" dirty="0">
+              <a:latin typeface="Arial" panose="020B0604020202020204" pitchFamily="34" charset="0"/>
+              <a:cs typeface="Arial" panose="020B0604020202020204" pitchFamily="34" charset="0"/>
+            </a:endParaRPr>
+          </a:p>
+          <a:p>
+            <a:endParaRPr lang="en-US" sz="2000" b="1" dirty="0">
+              <a:latin typeface="Arial" panose="020B0604020202020204" pitchFamily="34" charset="0"/>
+              <a:cs typeface="Arial" panose="020B0604020202020204" pitchFamily="34" charset="0"/>
+            </a:endParaRPr>
+          </a:p>
+          <a:p>
+            <a:endParaRPr lang="en-US" sz="2000" b="1" dirty="0">
+              <a:latin typeface="Arial" panose="020B0604020202020204" pitchFamily="34" charset="0"/>
+              <a:cs typeface="Arial" panose="020B0604020202020204" pitchFamily="34" charset="0"/>
+            </a:endParaRPr>
+          </a:p>
+          <a:p>
+            <a:br>
+              <a:rPr lang="en-US" sz="1050" b="1" dirty="0">
+                <a:latin typeface="Arial" panose="020B0604020202020204" pitchFamily="34" charset="0"/>
+                <a:cs typeface="Arial" panose="020B0604020202020204" pitchFamily="34" charset="0"/>
+              </a:rPr>
+            </a:br>
+            <a:r>
+              <a:rPr lang="en-US" sz="2000" b="1" dirty="0">
+                <a:latin typeface="Arial" panose="020B0604020202020204" pitchFamily="34" charset="0"/>
+                <a:cs typeface="Arial" panose="020B0604020202020204" pitchFamily="34" charset="0"/>
+              </a:rPr>
+              <a:t>C</a:t>
+            </a:r>
           </a:p>
         </p:txBody>
       </p:sp>
@@ -4450,26 +4370,21 @@
           <a:lstStyle/>
           <a:p>
             <a:r>
-              <a:rPr lang="en-US" dirty="0" smtClean="0"/>
+              <a:rPr lang="en-US" dirty="0"/>
               <a:t>P=3.6e-6</a:t>
             </a:r>
           </a:p>
           <a:p>
             <a:r>
-              <a:rPr lang="en-US" dirty="0" smtClean="0"/>
+              <a:rPr lang="en-US" dirty="0"/>
               <a:t>P=2.9e-6</a:t>
             </a:r>
           </a:p>
           <a:p>
             <a:r>
               <a:rPr lang="en-US" dirty="0"/>
-              <a:t>P</a:t>
-            </a:r>
-            <a:r>
-              <a:rPr lang="en-US" dirty="0" smtClean="0"/>
-              <a:t>=1.7e-9</a:t>
-            </a:r>
-            <a:endParaRPr lang="en-US" dirty="0"/>
+              <a:t>P=1.7e-9</a:t>
+            </a:r>
           </a:p>
         </p:txBody>
       </p:sp>
